--- a/Proiect BD - Muzeu mașini de colecție.pptx
+++ b/Proiect BD - Muzeu mașini de colecție.pptx
@@ -38,16 +38,17 @@
     <p:sldId id="283" r:id="rId33"/>
     <p:sldId id="284" r:id="rId34"/>
     <p:sldId id="285" r:id="rId35"/>
+    <p:sldId id="286" r:id="rId36"/>
   </p:sldIdLst>
   <p:sldSz cy="5143500" cx="9144000"/>
   <p:notesSz cx="6858000" cy="9144000"/>
   <p:embeddedFontLst>
     <p:embeddedFont>
       <p:font typeface="Raleway"/>
-      <p:regular r:id="rId36"/>
-      <p:bold r:id="rId37"/>
-      <p:italic r:id="rId38"/>
-      <p:boldItalic r:id="rId39"/>
+      <p:regular r:id="rId37"/>
+      <p:bold r:id="rId38"/>
+      <p:italic r:id="rId39"/>
+      <p:boldItalic r:id="rId40"/>
     </p:embeddedFont>
   </p:embeddedFontLst>
   <p:defaultTextStyle>
@@ -828,7 +829,7 @@
   <p:cSld>
     <p:spTree>
       <p:nvGrpSpPr>
-        <p:cNvPr id="110" name="Shape 110"/>
+        <p:cNvPr id="111" name="Shape 111"/>
         <p:cNvGrpSpPr/>
         <p:nvPr/>
       </p:nvGrpSpPr>
@@ -842,7 +843,7 @@
       </p:grpSpPr>
       <p:sp>
         <p:nvSpPr>
-          <p:cNvPr id="111" name="Google Shape;111;g2a93d7f2d9a_0_206:notes"/>
+          <p:cNvPr id="112" name="Google Shape;112;g2a93d7f2d9a_0_206:notes"/>
           <p:cNvSpPr/>
           <p:nvPr>
             <p:ph idx="2" type="sldImg"/>
@@ -877,7 +878,7 @@
       </p:sp>
       <p:sp>
         <p:nvSpPr>
-          <p:cNvPr id="112" name="Google Shape;112;g2a93d7f2d9a_0_206:notes"/>
+          <p:cNvPr id="113" name="Google Shape;113;g2a93d7f2d9a_0_206:notes"/>
           <p:cNvSpPr txBox="1"/>
           <p:nvPr>
             <p:ph idx="1" type="body"/>
@@ -927,7 +928,7 @@
   <p:cSld>
     <p:spTree>
       <p:nvGrpSpPr>
-        <p:cNvPr id="117" name="Shape 117"/>
+        <p:cNvPr id="118" name="Shape 118"/>
         <p:cNvGrpSpPr/>
         <p:nvPr/>
       </p:nvGrpSpPr>
@@ -941,7 +942,7 @@
       </p:grpSpPr>
       <p:sp>
         <p:nvSpPr>
-          <p:cNvPr id="118" name="Google Shape;118;g2a93d7f2d9a_0_215:notes"/>
+          <p:cNvPr id="119" name="Google Shape;119;g2a93d7f2d9a_0_215:notes"/>
           <p:cNvSpPr/>
           <p:nvPr>
             <p:ph idx="2" type="sldImg"/>
@@ -976,7 +977,7 @@
       </p:sp>
       <p:sp>
         <p:nvSpPr>
-          <p:cNvPr id="119" name="Google Shape;119;g2a93d7f2d9a_0_215:notes"/>
+          <p:cNvPr id="120" name="Google Shape;120;g2a93d7f2d9a_0_215:notes"/>
           <p:cNvSpPr txBox="1"/>
           <p:nvPr>
             <p:ph idx="1" type="body"/>
@@ -1026,7 +1027,7 @@
   <p:cSld>
     <p:spTree>
       <p:nvGrpSpPr>
-        <p:cNvPr id="123" name="Shape 123"/>
+        <p:cNvPr id="124" name="Shape 124"/>
         <p:cNvGrpSpPr/>
         <p:nvPr/>
       </p:nvGrpSpPr>
@@ -1040,7 +1041,7 @@
       </p:grpSpPr>
       <p:sp>
         <p:nvSpPr>
-          <p:cNvPr id="124" name="Google Shape;124;g2a93d7f2d9a_0_226:notes"/>
+          <p:cNvPr id="125" name="Google Shape;125;g2a93d7f2d9a_0_226:notes"/>
           <p:cNvSpPr/>
           <p:nvPr>
             <p:ph idx="2" type="sldImg"/>
@@ -1075,7 +1076,7 @@
       </p:sp>
       <p:sp>
         <p:nvSpPr>
-          <p:cNvPr id="125" name="Google Shape;125;g2a93d7f2d9a_0_226:notes"/>
+          <p:cNvPr id="126" name="Google Shape;126;g2a93d7f2d9a_0_226:notes"/>
           <p:cNvSpPr txBox="1"/>
           <p:nvPr>
             <p:ph idx="1" type="body"/>
@@ -1125,7 +1126,7 @@
   <p:cSld>
     <p:spTree>
       <p:nvGrpSpPr>
-        <p:cNvPr id="128" name="Shape 128"/>
+        <p:cNvPr id="129" name="Shape 129"/>
         <p:cNvGrpSpPr/>
         <p:nvPr/>
       </p:nvGrpSpPr>
@@ -1139,7 +1140,7 @@
       </p:grpSpPr>
       <p:sp>
         <p:nvSpPr>
-          <p:cNvPr id="129" name="Google Shape;129;g2a93d7f2d9a_0_231:notes"/>
+          <p:cNvPr id="130" name="Google Shape;130;g2a93d7f2d9a_0_231:notes"/>
           <p:cNvSpPr/>
           <p:nvPr>
             <p:ph idx="2" type="sldImg"/>
@@ -1174,7 +1175,7 @@
       </p:sp>
       <p:sp>
         <p:nvSpPr>
-          <p:cNvPr id="130" name="Google Shape;130;g2a93d7f2d9a_0_231:notes"/>
+          <p:cNvPr id="131" name="Google Shape;131;g2a93d7f2d9a_0_231:notes"/>
           <p:cNvSpPr txBox="1"/>
           <p:nvPr>
             <p:ph idx="1" type="body"/>
@@ -1224,7 +1225,7 @@
   <p:cSld>
     <p:spTree>
       <p:nvGrpSpPr>
-        <p:cNvPr id="134" name="Shape 134"/>
+        <p:cNvPr id="135" name="Shape 135"/>
         <p:cNvGrpSpPr/>
         <p:nvPr/>
       </p:nvGrpSpPr>
@@ -1238,7 +1239,7 @@
       </p:grpSpPr>
       <p:sp>
         <p:nvSpPr>
-          <p:cNvPr id="135" name="Google Shape;135;g2a93d7f2d9a_0_236:notes"/>
+          <p:cNvPr id="136" name="Google Shape;136;g2a93d7f2d9a_0_236:notes"/>
           <p:cNvSpPr/>
           <p:nvPr>
             <p:ph idx="2" type="sldImg"/>
@@ -1273,7 +1274,7 @@
       </p:sp>
       <p:sp>
         <p:nvSpPr>
-          <p:cNvPr id="136" name="Google Shape;136;g2a93d7f2d9a_0_236:notes"/>
+          <p:cNvPr id="137" name="Google Shape;137;g2a93d7f2d9a_0_236:notes"/>
           <p:cNvSpPr txBox="1"/>
           <p:nvPr>
             <p:ph idx="1" type="body"/>
@@ -1323,7 +1324,7 @@
   <p:cSld>
     <p:spTree>
       <p:nvGrpSpPr>
-        <p:cNvPr id="139" name="Shape 139"/>
+        <p:cNvPr id="140" name="Shape 140"/>
         <p:cNvGrpSpPr/>
         <p:nvPr/>
       </p:nvGrpSpPr>
@@ -1337,7 +1338,7 @@
       </p:grpSpPr>
       <p:sp>
         <p:nvSpPr>
-          <p:cNvPr id="140" name="Google Shape;140;g2a93d7f2d9a_0_241:notes"/>
+          <p:cNvPr id="141" name="Google Shape;141;g2a93d7f2d9a_0_241:notes"/>
           <p:cNvSpPr/>
           <p:nvPr>
             <p:ph idx="2" type="sldImg"/>
@@ -1372,7 +1373,7 @@
       </p:sp>
       <p:sp>
         <p:nvSpPr>
-          <p:cNvPr id="141" name="Google Shape;141;g2a93d7f2d9a_0_241:notes"/>
+          <p:cNvPr id="142" name="Google Shape;142;g2a93d7f2d9a_0_241:notes"/>
           <p:cNvSpPr txBox="1"/>
           <p:nvPr>
             <p:ph idx="1" type="body"/>
@@ -1422,7 +1423,7 @@
   <p:cSld>
     <p:spTree>
       <p:nvGrpSpPr>
-        <p:cNvPr id="145" name="Shape 145"/>
+        <p:cNvPr id="146" name="Shape 146"/>
         <p:cNvGrpSpPr/>
         <p:nvPr/>
       </p:nvGrpSpPr>
@@ -1436,7 +1437,7 @@
       </p:grpSpPr>
       <p:sp>
         <p:nvSpPr>
-          <p:cNvPr id="146" name="Google Shape;146;g2a93d7f2d9a_0_249:notes"/>
+          <p:cNvPr id="147" name="Google Shape;147;g2a93d7f2d9a_0_249:notes"/>
           <p:cNvSpPr/>
           <p:nvPr>
             <p:ph idx="2" type="sldImg"/>
@@ -1471,7 +1472,7 @@
       </p:sp>
       <p:sp>
         <p:nvSpPr>
-          <p:cNvPr id="147" name="Google Shape;147;g2a93d7f2d9a_0_249:notes"/>
+          <p:cNvPr id="148" name="Google Shape;148;g2a93d7f2d9a_0_249:notes"/>
           <p:cNvSpPr txBox="1"/>
           <p:nvPr>
             <p:ph idx="1" type="body"/>
@@ -1521,7 +1522,7 @@
   <p:cSld>
     <p:spTree>
       <p:nvGrpSpPr>
-        <p:cNvPr id="151" name="Shape 151"/>
+        <p:cNvPr id="152" name="Shape 152"/>
         <p:cNvGrpSpPr/>
         <p:nvPr/>
       </p:nvGrpSpPr>
@@ -1535,7 +1536,7 @@
       </p:grpSpPr>
       <p:sp>
         <p:nvSpPr>
-          <p:cNvPr id="152" name="Google Shape;152;g2a93d7f2d9a_0_258:notes"/>
+          <p:cNvPr id="153" name="Google Shape;153;g2a93d7f2d9a_0_258:notes"/>
           <p:cNvSpPr/>
           <p:nvPr>
             <p:ph idx="2" type="sldImg"/>
@@ -1570,7 +1571,7 @@
       </p:sp>
       <p:sp>
         <p:nvSpPr>
-          <p:cNvPr id="153" name="Google Shape;153;g2a93d7f2d9a_0_258:notes"/>
+          <p:cNvPr id="154" name="Google Shape;154;g2a93d7f2d9a_0_258:notes"/>
           <p:cNvSpPr txBox="1"/>
           <p:nvPr>
             <p:ph idx="1" type="body"/>
@@ -1620,7 +1621,7 @@
   <p:cSld>
     <p:spTree>
       <p:nvGrpSpPr>
-        <p:cNvPr id="157" name="Shape 157"/>
+        <p:cNvPr id="158" name="Shape 158"/>
         <p:cNvGrpSpPr/>
         <p:nvPr/>
       </p:nvGrpSpPr>
@@ -1634,7 +1635,7 @@
       </p:grpSpPr>
       <p:sp>
         <p:nvSpPr>
-          <p:cNvPr id="158" name="Google Shape;158;g2a93d7f2d9a_0_268:notes"/>
+          <p:cNvPr id="159" name="Google Shape;159;g2a93d7f2d9a_0_268:notes"/>
           <p:cNvSpPr/>
           <p:nvPr>
             <p:ph idx="2" type="sldImg"/>
@@ -1669,7 +1670,7 @@
       </p:sp>
       <p:sp>
         <p:nvSpPr>
-          <p:cNvPr id="159" name="Google Shape;159;g2a93d7f2d9a_0_268:notes"/>
+          <p:cNvPr id="160" name="Google Shape;160;g2a93d7f2d9a_0_268:notes"/>
           <p:cNvSpPr txBox="1"/>
           <p:nvPr>
             <p:ph idx="1" type="body"/>
@@ -1719,7 +1720,7 @@
   <p:cSld>
     <p:spTree>
       <p:nvGrpSpPr>
-        <p:cNvPr id="163" name="Shape 163"/>
+        <p:cNvPr id="164" name="Shape 164"/>
         <p:cNvGrpSpPr/>
         <p:nvPr/>
       </p:nvGrpSpPr>
@@ -1733,7 +1734,7 @@
       </p:grpSpPr>
       <p:sp>
         <p:nvSpPr>
-          <p:cNvPr id="164" name="Google Shape;164;g2a93d7f2d9a_0_280:notes"/>
+          <p:cNvPr id="165" name="Google Shape;165;g2a93d7f2d9a_0_280:notes"/>
           <p:cNvSpPr/>
           <p:nvPr>
             <p:ph idx="2" type="sldImg"/>
@@ -1768,7 +1769,7 @@
       </p:sp>
       <p:sp>
         <p:nvSpPr>
-          <p:cNvPr id="165" name="Google Shape;165;g2a93d7f2d9a_0_280:notes"/>
+          <p:cNvPr id="166" name="Google Shape;166;g2a93d7f2d9a_0_280:notes"/>
           <p:cNvSpPr txBox="1"/>
           <p:nvPr>
             <p:ph idx="1" type="body"/>
@@ -1818,7 +1819,7 @@
   <p:cSld>
     <p:spTree>
       <p:nvGrpSpPr>
-        <p:cNvPr id="60" name="Shape 60"/>
+        <p:cNvPr id="61" name="Shape 61"/>
         <p:cNvGrpSpPr/>
         <p:nvPr/>
       </p:nvGrpSpPr>
@@ -1832,7 +1833,7 @@
       </p:grpSpPr>
       <p:sp>
         <p:nvSpPr>
-          <p:cNvPr id="61" name="Google Shape;61;g2a93d7f2d9a_0_156:notes"/>
+          <p:cNvPr id="62" name="Google Shape;62;g2a93d7f2d9a_0_156:notes"/>
           <p:cNvSpPr/>
           <p:nvPr>
             <p:ph idx="2" type="sldImg"/>
@@ -1867,7 +1868,7 @@
       </p:sp>
       <p:sp>
         <p:nvSpPr>
-          <p:cNvPr id="62" name="Google Shape;62;g2a93d7f2d9a_0_156:notes"/>
+          <p:cNvPr id="63" name="Google Shape;63;g2a93d7f2d9a_0_156:notes"/>
           <p:cNvSpPr txBox="1"/>
           <p:nvPr>
             <p:ph idx="1" type="body"/>
@@ -1917,7 +1918,7 @@
   <p:cSld>
     <p:spTree>
       <p:nvGrpSpPr>
-        <p:cNvPr id="169" name="Shape 169"/>
+        <p:cNvPr id="170" name="Shape 170"/>
         <p:cNvGrpSpPr/>
         <p:nvPr/>
       </p:nvGrpSpPr>
@@ -1931,7 +1932,7 @@
       </p:grpSpPr>
       <p:sp>
         <p:nvSpPr>
-          <p:cNvPr id="170" name="Google Shape;170;g2a93d7f2d9a_0_285:notes"/>
+          <p:cNvPr id="171" name="Google Shape;171;g2a93d7f2d9a_0_285:notes"/>
           <p:cNvSpPr/>
           <p:nvPr>
             <p:ph idx="2" type="sldImg"/>
@@ -1966,7 +1967,7 @@
       </p:sp>
       <p:sp>
         <p:nvSpPr>
-          <p:cNvPr id="171" name="Google Shape;171;g2a93d7f2d9a_0_285:notes"/>
+          <p:cNvPr id="172" name="Google Shape;172;g2a93d7f2d9a_0_285:notes"/>
           <p:cNvSpPr txBox="1"/>
           <p:nvPr>
             <p:ph idx="1" type="body"/>
@@ -2016,7 +2017,7 @@
   <p:cSld>
     <p:spTree>
       <p:nvGrpSpPr>
-        <p:cNvPr id="175" name="Shape 175"/>
+        <p:cNvPr id="176" name="Shape 176"/>
         <p:cNvGrpSpPr/>
         <p:nvPr/>
       </p:nvGrpSpPr>
@@ -2030,7 +2031,7 @@
       </p:grpSpPr>
       <p:sp>
         <p:nvSpPr>
-          <p:cNvPr id="176" name="Google Shape;176;g2a93d7f2d9a_0_290:notes"/>
+          <p:cNvPr id="177" name="Google Shape;177;g2a93d7f2d9a_0_290:notes"/>
           <p:cNvSpPr/>
           <p:nvPr>
             <p:ph idx="2" type="sldImg"/>
@@ -2065,7 +2066,7 @@
       </p:sp>
       <p:sp>
         <p:nvSpPr>
-          <p:cNvPr id="177" name="Google Shape;177;g2a93d7f2d9a_0_290:notes"/>
+          <p:cNvPr id="178" name="Google Shape;178;g2a93d7f2d9a_0_290:notes"/>
           <p:cNvSpPr txBox="1"/>
           <p:nvPr>
             <p:ph idx="1" type="body"/>
@@ -2115,7 +2116,7 @@
   <p:cSld>
     <p:spTree>
       <p:nvGrpSpPr>
-        <p:cNvPr id="181" name="Shape 181"/>
+        <p:cNvPr id="182" name="Shape 182"/>
         <p:cNvGrpSpPr/>
         <p:nvPr/>
       </p:nvGrpSpPr>
@@ -2129,7 +2130,7 @@
       </p:grpSpPr>
       <p:sp>
         <p:nvSpPr>
-          <p:cNvPr id="182" name="Google Shape;182;g2a93d7f2d9a_0_295:notes"/>
+          <p:cNvPr id="183" name="Google Shape;183;g2a93d7f2d9a_0_295:notes"/>
           <p:cNvSpPr/>
           <p:nvPr>
             <p:ph idx="2" type="sldImg"/>
@@ -2164,7 +2165,7 @@
       </p:sp>
       <p:sp>
         <p:nvSpPr>
-          <p:cNvPr id="183" name="Google Shape;183;g2a93d7f2d9a_0_295:notes"/>
+          <p:cNvPr id="184" name="Google Shape;184;g2a93d7f2d9a_0_295:notes"/>
           <p:cNvSpPr txBox="1"/>
           <p:nvPr>
             <p:ph idx="1" type="body"/>
@@ -2214,7 +2215,7 @@
   <p:cSld>
     <p:spTree>
       <p:nvGrpSpPr>
-        <p:cNvPr id="187" name="Shape 187"/>
+        <p:cNvPr id="188" name="Shape 188"/>
         <p:cNvGrpSpPr/>
         <p:nvPr/>
       </p:nvGrpSpPr>
@@ -2228,7 +2229,7 @@
       </p:grpSpPr>
       <p:sp>
         <p:nvSpPr>
-          <p:cNvPr id="188" name="Google Shape;188;g2a93d7f2d9a_0_300:notes"/>
+          <p:cNvPr id="189" name="Google Shape;189;g2a93d7f2d9a_0_300:notes"/>
           <p:cNvSpPr/>
           <p:nvPr>
             <p:ph idx="2" type="sldImg"/>
@@ -2263,7 +2264,7 @@
       </p:sp>
       <p:sp>
         <p:nvSpPr>
-          <p:cNvPr id="189" name="Google Shape;189;g2a93d7f2d9a_0_300:notes"/>
+          <p:cNvPr id="190" name="Google Shape;190;g2a93d7f2d9a_0_300:notes"/>
           <p:cNvSpPr txBox="1"/>
           <p:nvPr>
             <p:ph idx="1" type="body"/>
@@ -2313,7 +2314,7 @@
   <p:cSld>
     <p:spTree>
       <p:nvGrpSpPr>
-        <p:cNvPr id="193" name="Shape 193"/>
+        <p:cNvPr id="194" name="Shape 194"/>
         <p:cNvGrpSpPr/>
         <p:nvPr/>
       </p:nvGrpSpPr>
@@ -2327,7 +2328,7 @@
       </p:grpSpPr>
       <p:sp>
         <p:nvSpPr>
-          <p:cNvPr id="194" name="Google Shape;194;g2a93d7f2d9a_0_314:notes"/>
+          <p:cNvPr id="195" name="Google Shape;195;g2a93d7f2d9a_0_314:notes"/>
           <p:cNvSpPr/>
           <p:nvPr>
             <p:ph idx="2" type="sldImg"/>
@@ -2362,7 +2363,7 @@
       </p:sp>
       <p:sp>
         <p:nvSpPr>
-          <p:cNvPr id="195" name="Google Shape;195;g2a93d7f2d9a_0_314:notes"/>
+          <p:cNvPr id="196" name="Google Shape;196;g2a93d7f2d9a_0_314:notes"/>
           <p:cNvSpPr txBox="1"/>
           <p:nvPr>
             <p:ph idx="1" type="body"/>
@@ -2412,7 +2413,7 @@
   <p:cSld>
     <p:spTree>
       <p:nvGrpSpPr>
-        <p:cNvPr id="198" name="Shape 198"/>
+        <p:cNvPr id="199" name="Shape 199"/>
         <p:cNvGrpSpPr/>
         <p:nvPr/>
       </p:nvGrpSpPr>
@@ -2426,7 +2427,7 @@
       </p:grpSpPr>
       <p:sp>
         <p:nvSpPr>
-          <p:cNvPr id="199" name="Google Shape;199;g2a93d7f2d9a_0_305:notes"/>
+          <p:cNvPr id="200" name="Google Shape;200;g2a93d7f2d9a_0_305:notes"/>
           <p:cNvSpPr/>
           <p:nvPr>
             <p:ph idx="2" type="sldImg"/>
@@ -2461,7 +2462,7 @@
       </p:sp>
       <p:sp>
         <p:nvSpPr>
-          <p:cNvPr id="200" name="Google Shape;200;g2a93d7f2d9a_0_305:notes"/>
+          <p:cNvPr id="201" name="Google Shape;201;g2a93d7f2d9a_0_305:notes"/>
           <p:cNvSpPr txBox="1"/>
           <p:nvPr>
             <p:ph idx="1" type="body"/>
@@ -2511,7 +2512,7 @@
   <p:cSld>
     <p:spTree>
       <p:nvGrpSpPr>
-        <p:cNvPr id="204" name="Shape 204"/>
+        <p:cNvPr id="205" name="Shape 205"/>
         <p:cNvGrpSpPr/>
         <p:nvPr/>
       </p:nvGrpSpPr>
@@ -2525,7 +2526,7 @@
       </p:grpSpPr>
       <p:sp>
         <p:nvSpPr>
-          <p:cNvPr id="205" name="Google Shape;205;g2a93d7f2d9a_0_352:notes"/>
+          <p:cNvPr id="206" name="Google Shape;206;g2a93d7f2d9a_0_352:notes"/>
           <p:cNvSpPr/>
           <p:nvPr>
             <p:ph idx="2" type="sldImg"/>
@@ -2560,7 +2561,7 @@
       </p:sp>
       <p:sp>
         <p:nvSpPr>
-          <p:cNvPr id="206" name="Google Shape;206;g2a93d7f2d9a_0_352:notes"/>
+          <p:cNvPr id="207" name="Google Shape;207;g2a93d7f2d9a_0_352:notes"/>
           <p:cNvSpPr txBox="1"/>
           <p:nvPr>
             <p:ph idx="1" type="body"/>
@@ -2610,7 +2611,7 @@
   <p:cSld>
     <p:spTree>
       <p:nvGrpSpPr>
-        <p:cNvPr id="210" name="Shape 210"/>
+        <p:cNvPr id="211" name="Shape 211"/>
         <p:cNvGrpSpPr/>
         <p:nvPr/>
       </p:nvGrpSpPr>
@@ -2624,7 +2625,7 @@
       </p:grpSpPr>
       <p:sp>
         <p:nvSpPr>
-          <p:cNvPr id="211" name="Google Shape;211;g2a93d7f2d9a_0_318:notes"/>
+          <p:cNvPr id="212" name="Google Shape;212;g2a93d7f2d9a_0_318:notes"/>
           <p:cNvSpPr/>
           <p:nvPr>
             <p:ph idx="2" type="sldImg"/>
@@ -2659,7 +2660,7 @@
       </p:sp>
       <p:sp>
         <p:nvSpPr>
-          <p:cNvPr id="212" name="Google Shape;212;g2a93d7f2d9a_0_318:notes"/>
+          <p:cNvPr id="213" name="Google Shape;213;g2a93d7f2d9a_0_318:notes"/>
           <p:cNvSpPr txBox="1"/>
           <p:nvPr>
             <p:ph idx="1" type="body"/>
@@ -2709,7 +2710,7 @@
   <p:cSld>
     <p:spTree>
       <p:nvGrpSpPr>
-        <p:cNvPr id="215" name="Shape 215"/>
+        <p:cNvPr id="216" name="Shape 216"/>
         <p:cNvGrpSpPr/>
         <p:nvPr/>
       </p:nvGrpSpPr>
@@ -2723,7 +2724,7 @@
       </p:grpSpPr>
       <p:sp>
         <p:nvSpPr>
-          <p:cNvPr id="216" name="Google Shape;216;g2a93d7f2d9a_0_322:notes"/>
+          <p:cNvPr id="217" name="Google Shape;217;g2a93d7f2d9a_0_322:notes"/>
           <p:cNvSpPr/>
           <p:nvPr>
             <p:ph idx="2" type="sldImg"/>
@@ -2758,7 +2759,7 @@
       </p:sp>
       <p:sp>
         <p:nvSpPr>
-          <p:cNvPr id="217" name="Google Shape;217;g2a93d7f2d9a_0_322:notes"/>
+          <p:cNvPr id="218" name="Google Shape;218;g2a93d7f2d9a_0_322:notes"/>
           <p:cNvSpPr txBox="1"/>
           <p:nvPr>
             <p:ph idx="1" type="body"/>
@@ -2808,7 +2809,7 @@
   <p:cSld>
     <p:spTree>
       <p:nvGrpSpPr>
-        <p:cNvPr id="221" name="Shape 221"/>
+        <p:cNvPr id="222" name="Shape 222"/>
         <p:cNvGrpSpPr/>
         <p:nvPr/>
       </p:nvGrpSpPr>
@@ -2822,7 +2823,7 @@
       </p:grpSpPr>
       <p:sp>
         <p:nvSpPr>
-          <p:cNvPr id="222" name="Google Shape;222;g2a93d7f2d9a_0_368:notes"/>
+          <p:cNvPr id="223" name="Google Shape;223;g2a93d7f2d9a_0_368:notes"/>
           <p:cNvSpPr/>
           <p:nvPr>
             <p:ph idx="2" type="sldImg"/>
@@ -2857,7 +2858,7 @@
       </p:sp>
       <p:sp>
         <p:nvSpPr>
-          <p:cNvPr id="223" name="Google Shape;223;g2a93d7f2d9a_0_368:notes"/>
+          <p:cNvPr id="224" name="Google Shape;224;g2a93d7f2d9a_0_368:notes"/>
           <p:cNvSpPr txBox="1"/>
           <p:nvPr>
             <p:ph idx="1" type="body"/>
@@ -2907,7 +2908,7 @@
   <p:cSld>
     <p:spTree>
       <p:nvGrpSpPr>
-        <p:cNvPr id="65" name="Shape 65"/>
+        <p:cNvPr id="66" name="Shape 66"/>
         <p:cNvGrpSpPr/>
         <p:nvPr/>
       </p:nvGrpSpPr>
@@ -2921,7 +2922,7 @@
       </p:grpSpPr>
       <p:sp>
         <p:nvSpPr>
-          <p:cNvPr id="66" name="Google Shape;66;g2a93d7f2d9a_0_151:notes"/>
+          <p:cNvPr id="67" name="Google Shape;67;g2a93d7f2d9a_0_151:notes"/>
           <p:cNvSpPr/>
           <p:nvPr>
             <p:ph idx="2" type="sldImg"/>
@@ -2956,7 +2957,7 @@
       </p:sp>
       <p:sp>
         <p:nvSpPr>
-          <p:cNvPr id="67" name="Google Shape;67;g2a93d7f2d9a_0_151:notes"/>
+          <p:cNvPr id="68" name="Google Shape;68;g2a93d7f2d9a_0_151:notes"/>
           <p:cNvSpPr txBox="1"/>
           <p:nvPr>
             <p:ph idx="1" type="body"/>
@@ -3006,7 +3007,7 @@
   <p:cSld>
     <p:spTree>
       <p:nvGrpSpPr>
-        <p:cNvPr id="226" name="Shape 226"/>
+        <p:cNvPr id="227" name="Shape 227"/>
         <p:cNvGrpSpPr/>
         <p:nvPr/>
       </p:nvGrpSpPr>
@@ -3020,7 +3021,7 @@
       </p:grpSpPr>
       <p:sp>
         <p:nvSpPr>
-          <p:cNvPr id="227" name="Google Shape;227;g2a93d7f2d9a_0_373:notes"/>
+          <p:cNvPr id="228" name="Google Shape;228;g2a93d7f2d9a_0_373:notes"/>
           <p:cNvSpPr/>
           <p:nvPr>
             <p:ph idx="2" type="sldImg"/>
@@ -3055,7 +3056,7 @@
       </p:sp>
       <p:sp>
         <p:nvSpPr>
-          <p:cNvPr id="228" name="Google Shape;228;g2a93d7f2d9a_0_373:notes"/>
+          <p:cNvPr id="229" name="Google Shape;229;g2a93d7f2d9a_0_373:notes"/>
           <p:cNvSpPr txBox="1"/>
           <p:nvPr>
             <p:ph idx="1" type="body"/>
@@ -3100,12 +3101,12 @@
 </p:notes>
 </file>
 
-<file path=ppt/notesSlides/notesSlide4.xml><?xml version="1.0" encoding="utf-8"?>
+<file path=ppt/notesSlides/notesSlide31.xml><?xml version="1.0" encoding="utf-8"?>
 <p:notes xmlns:a="http://schemas.openxmlformats.org/drawingml/2006/main" xmlns:r="http://schemas.openxmlformats.org/officeDocument/2006/relationships" xmlns:mc="http://schemas.openxmlformats.org/markup-compatibility/2006" xmlns:mv="urn:schemas-microsoft-com:mac:vml" xmlns:p="http://schemas.openxmlformats.org/presentationml/2006/main" xmlns:c="http://schemas.openxmlformats.org/drawingml/2006/chart" xmlns:dgm="http://schemas.openxmlformats.org/drawingml/2006/diagram" xmlns:o="urn:schemas-microsoft-com:office:office" xmlns:v="urn:schemas-microsoft-com:vml" xmlns:pvml="urn:schemas-microsoft-com:office:powerpoint" xmlns:com="http://schemas.openxmlformats.org/drawingml/2006/compatibility" xmlns:p14="http://schemas.microsoft.com/office/powerpoint/2010/main" xmlns:p15="http://schemas.microsoft.com/office/powerpoint/2012/main" xmlns:ahyp="http://schemas.microsoft.com/office/drawing/2018/hyperlinkcolor" showMasterPhAnim="0" showMasterSp="0">
   <p:cSld>
     <p:spTree>
       <p:nvGrpSpPr>
-        <p:cNvPr id="72" name="Shape 72"/>
+        <p:cNvPr id="235" name="Shape 235"/>
         <p:cNvGrpSpPr/>
         <p:nvPr/>
       </p:nvGrpSpPr>
@@ -3119,7 +3120,7 @@
       </p:grpSpPr>
       <p:sp>
         <p:nvSpPr>
-          <p:cNvPr id="73" name="Google Shape;73;g2a93d7f2d9a_0_170:notes"/>
+          <p:cNvPr id="236" name="Google Shape;236;g2a94c9d1fe3_0_3:notes"/>
           <p:cNvSpPr/>
           <p:nvPr>
             <p:ph idx="2" type="sldImg"/>
@@ -3154,7 +3155,7 @@
       </p:sp>
       <p:sp>
         <p:nvSpPr>
-          <p:cNvPr id="74" name="Google Shape;74;g2a93d7f2d9a_0_170:notes"/>
+          <p:cNvPr id="237" name="Google Shape;237;g2a94c9d1fe3_0_3:notes"/>
           <p:cNvSpPr txBox="1"/>
           <p:nvPr>
             <p:ph idx="1" type="body"/>
@@ -3199,12 +3200,12 @@
 </p:notes>
 </file>
 
-<file path=ppt/notesSlides/notesSlide5.xml><?xml version="1.0" encoding="utf-8"?>
+<file path=ppt/notesSlides/notesSlide4.xml><?xml version="1.0" encoding="utf-8"?>
 <p:notes xmlns:a="http://schemas.openxmlformats.org/drawingml/2006/main" xmlns:r="http://schemas.openxmlformats.org/officeDocument/2006/relationships" xmlns:mc="http://schemas.openxmlformats.org/markup-compatibility/2006" xmlns:mv="urn:schemas-microsoft-com:mac:vml" xmlns:p="http://schemas.openxmlformats.org/presentationml/2006/main" xmlns:c="http://schemas.openxmlformats.org/drawingml/2006/chart" xmlns:dgm="http://schemas.openxmlformats.org/drawingml/2006/diagram" xmlns:o="urn:schemas-microsoft-com:office:office" xmlns:v="urn:schemas-microsoft-com:vml" xmlns:pvml="urn:schemas-microsoft-com:office:powerpoint" xmlns:com="http://schemas.openxmlformats.org/drawingml/2006/compatibility" xmlns:p14="http://schemas.microsoft.com/office/powerpoint/2010/main" xmlns:p15="http://schemas.microsoft.com/office/powerpoint/2012/main" xmlns:ahyp="http://schemas.microsoft.com/office/drawing/2018/hyperlinkcolor" showMasterPhAnim="0" showMasterSp="0">
   <p:cSld>
     <p:spTree>
       <p:nvGrpSpPr>
-        <p:cNvPr id="79" name="Shape 79"/>
+        <p:cNvPr id="73" name="Shape 73"/>
         <p:cNvGrpSpPr/>
         <p:nvPr/>
       </p:nvGrpSpPr>
@@ -3218,7 +3219,7 @@
       </p:grpSpPr>
       <p:sp>
         <p:nvSpPr>
-          <p:cNvPr id="80" name="Google Shape;80;g2a93d7f2d9a_0_176:notes"/>
+          <p:cNvPr id="74" name="Google Shape;74;g2a93d7f2d9a_0_170:notes"/>
           <p:cNvSpPr/>
           <p:nvPr>
             <p:ph idx="2" type="sldImg"/>
@@ -3253,7 +3254,7 @@
       </p:sp>
       <p:sp>
         <p:nvSpPr>
-          <p:cNvPr id="81" name="Google Shape;81;g2a93d7f2d9a_0_176:notes"/>
+          <p:cNvPr id="75" name="Google Shape;75;g2a93d7f2d9a_0_170:notes"/>
           <p:cNvSpPr txBox="1"/>
           <p:nvPr>
             <p:ph idx="1" type="body"/>
@@ -3298,12 +3299,12 @@
 </p:notes>
 </file>
 
-<file path=ppt/notesSlides/notesSlide6.xml><?xml version="1.0" encoding="utf-8"?>
+<file path=ppt/notesSlides/notesSlide5.xml><?xml version="1.0" encoding="utf-8"?>
 <p:notes xmlns:a="http://schemas.openxmlformats.org/drawingml/2006/main" xmlns:r="http://schemas.openxmlformats.org/officeDocument/2006/relationships" xmlns:mc="http://schemas.openxmlformats.org/markup-compatibility/2006" xmlns:mv="urn:schemas-microsoft-com:mac:vml" xmlns:p="http://schemas.openxmlformats.org/presentationml/2006/main" xmlns:c="http://schemas.openxmlformats.org/drawingml/2006/chart" xmlns:dgm="http://schemas.openxmlformats.org/drawingml/2006/diagram" xmlns:o="urn:schemas-microsoft-com:office:office" xmlns:v="urn:schemas-microsoft-com:vml" xmlns:pvml="urn:schemas-microsoft-com:office:powerpoint" xmlns:com="http://schemas.openxmlformats.org/drawingml/2006/compatibility" xmlns:p14="http://schemas.microsoft.com/office/powerpoint/2010/main" xmlns:p15="http://schemas.microsoft.com/office/powerpoint/2012/main" xmlns:ahyp="http://schemas.microsoft.com/office/drawing/2018/hyperlinkcolor" showMasterPhAnim="0" showMasterSp="0">
   <p:cSld>
     <p:spTree>
       <p:nvGrpSpPr>
-        <p:cNvPr id="85" name="Shape 85"/>
+        <p:cNvPr id="80" name="Shape 80"/>
         <p:cNvGrpSpPr/>
         <p:nvPr/>
       </p:nvGrpSpPr>
@@ -3317,7 +3318,7 @@
       </p:grpSpPr>
       <p:sp>
         <p:nvSpPr>
-          <p:cNvPr id="86" name="Google Shape;86;g2a93d7f2d9a_0_181:notes"/>
+          <p:cNvPr id="81" name="Google Shape;81;g2a93d7f2d9a_0_176:notes"/>
           <p:cNvSpPr/>
           <p:nvPr>
             <p:ph idx="2" type="sldImg"/>
@@ -3352,7 +3353,7 @@
       </p:sp>
       <p:sp>
         <p:nvSpPr>
-          <p:cNvPr id="87" name="Google Shape;87;g2a93d7f2d9a_0_181:notes"/>
+          <p:cNvPr id="82" name="Google Shape;82;g2a93d7f2d9a_0_176:notes"/>
           <p:cNvSpPr txBox="1"/>
           <p:nvPr>
             <p:ph idx="1" type="body"/>
@@ -3397,12 +3398,12 @@
 </p:notes>
 </file>
 
-<file path=ppt/notesSlides/notesSlide7.xml><?xml version="1.0" encoding="utf-8"?>
+<file path=ppt/notesSlides/notesSlide6.xml><?xml version="1.0" encoding="utf-8"?>
 <p:notes xmlns:a="http://schemas.openxmlformats.org/drawingml/2006/main" xmlns:r="http://schemas.openxmlformats.org/officeDocument/2006/relationships" xmlns:mc="http://schemas.openxmlformats.org/markup-compatibility/2006" xmlns:mv="urn:schemas-microsoft-com:mac:vml" xmlns:p="http://schemas.openxmlformats.org/presentationml/2006/main" xmlns:c="http://schemas.openxmlformats.org/drawingml/2006/chart" xmlns:dgm="http://schemas.openxmlformats.org/drawingml/2006/diagram" xmlns:o="urn:schemas-microsoft-com:office:office" xmlns:v="urn:schemas-microsoft-com:vml" xmlns:pvml="urn:schemas-microsoft-com:office:powerpoint" xmlns:com="http://schemas.openxmlformats.org/drawingml/2006/compatibility" xmlns:p14="http://schemas.microsoft.com/office/powerpoint/2010/main" xmlns:p15="http://schemas.microsoft.com/office/powerpoint/2012/main" xmlns:ahyp="http://schemas.microsoft.com/office/drawing/2018/hyperlinkcolor" showMasterPhAnim="0" showMasterSp="0">
   <p:cSld>
     <p:spTree>
       <p:nvGrpSpPr>
-        <p:cNvPr id="91" name="Shape 91"/>
+        <p:cNvPr id="86" name="Shape 86"/>
         <p:cNvGrpSpPr/>
         <p:nvPr/>
       </p:nvGrpSpPr>
@@ -3416,7 +3417,7 @@
       </p:grpSpPr>
       <p:sp>
         <p:nvSpPr>
-          <p:cNvPr id="92" name="Google Shape;92;g2a93d7f2d9a_0_191:notes"/>
+          <p:cNvPr id="87" name="Google Shape;87;g2a93d7f2d9a_0_181:notes"/>
           <p:cNvSpPr/>
           <p:nvPr>
             <p:ph idx="2" type="sldImg"/>
@@ -3451,7 +3452,7 @@
       </p:sp>
       <p:sp>
         <p:nvSpPr>
-          <p:cNvPr id="93" name="Google Shape;93;g2a93d7f2d9a_0_191:notes"/>
+          <p:cNvPr id="88" name="Google Shape;88;g2a93d7f2d9a_0_181:notes"/>
           <p:cNvSpPr txBox="1"/>
           <p:nvPr>
             <p:ph idx="1" type="body"/>
@@ -3496,12 +3497,12 @@
 </p:notes>
 </file>
 
-<file path=ppt/notesSlides/notesSlide8.xml><?xml version="1.0" encoding="utf-8"?>
+<file path=ppt/notesSlides/notesSlide7.xml><?xml version="1.0" encoding="utf-8"?>
 <p:notes xmlns:a="http://schemas.openxmlformats.org/drawingml/2006/main" xmlns:r="http://schemas.openxmlformats.org/officeDocument/2006/relationships" xmlns:mc="http://schemas.openxmlformats.org/markup-compatibility/2006" xmlns:mv="urn:schemas-microsoft-com:mac:vml" xmlns:p="http://schemas.openxmlformats.org/presentationml/2006/main" xmlns:c="http://schemas.openxmlformats.org/drawingml/2006/chart" xmlns:dgm="http://schemas.openxmlformats.org/drawingml/2006/diagram" xmlns:o="urn:schemas-microsoft-com:office:office" xmlns:v="urn:schemas-microsoft-com:vml" xmlns:pvml="urn:schemas-microsoft-com:office:powerpoint" xmlns:com="http://schemas.openxmlformats.org/drawingml/2006/compatibility" xmlns:p14="http://schemas.microsoft.com/office/powerpoint/2010/main" xmlns:p15="http://schemas.microsoft.com/office/powerpoint/2012/main" xmlns:ahyp="http://schemas.microsoft.com/office/drawing/2018/hyperlinkcolor" showMasterPhAnim="0" showMasterSp="0">
   <p:cSld>
     <p:spTree>
       <p:nvGrpSpPr>
-        <p:cNvPr id="97" name="Shape 97"/>
+        <p:cNvPr id="92" name="Shape 92"/>
         <p:cNvGrpSpPr/>
         <p:nvPr/>
       </p:nvGrpSpPr>
@@ -3515,7 +3516,7 @@
       </p:grpSpPr>
       <p:sp>
         <p:nvSpPr>
-          <p:cNvPr id="98" name="Google Shape;98;g2a93d7f2d9a_0_196:notes"/>
+          <p:cNvPr id="93" name="Google Shape;93;g2a93d7f2d9a_0_191:notes"/>
           <p:cNvSpPr/>
           <p:nvPr>
             <p:ph idx="2" type="sldImg"/>
@@ -3550,7 +3551,7 @@
       </p:sp>
       <p:sp>
         <p:nvSpPr>
-          <p:cNvPr id="99" name="Google Shape;99;g2a93d7f2d9a_0_196:notes"/>
+          <p:cNvPr id="94" name="Google Shape;94;g2a93d7f2d9a_0_191:notes"/>
           <p:cNvSpPr txBox="1"/>
           <p:nvPr>
             <p:ph idx="1" type="body"/>
@@ -3595,12 +3596,12 @@
 </p:notes>
 </file>
 
-<file path=ppt/notesSlides/notesSlide9.xml><?xml version="1.0" encoding="utf-8"?>
+<file path=ppt/notesSlides/notesSlide8.xml><?xml version="1.0" encoding="utf-8"?>
 <p:notes xmlns:a="http://schemas.openxmlformats.org/drawingml/2006/main" xmlns:r="http://schemas.openxmlformats.org/officeDocument/2006/relationships" xmlns:mc="http://schemas.openxmlformats.org/markup-compatibility/2006" xmlns:mv="urn:schemas-microsoft-com:mac:vml" xmlns:p="http://schemas.openxmlformats.org/presentationml/2006/main" xmlns:c="http://schemas.openxmlformats.org/drawingml/2006/chart" xmlns:dgm="http://schemas.openxmlformats.org/drawingml/2006/diagram" xmlns:o="urn:schemas-microsoft-com:office:office" xmlns:v="urn:schemas-microsoft-com:vml" xmlns:pvml="urn:schemas-microsoft-com:office:powerpoint" xmlns:com="http://schemas.openxmlformats.org/drawingml/2006/compatibility" xmlns:p14="http://schemas.microsoft.com/office/powerpoint/2010/main" xmlns:p15="http://schemas.microsoft.com/office/powerpoint/2012/main" xmlns:ahyp="http://schemas.microsoft.com/office/drawing/2018/hyperlinkcolor" showMasterPhAnim="0" showMasterSp="0">
   <p:cSld>
     <p:spTree>
       <p:nvGrpSpPr>
-        <p:cNvPr id="103" name="Shape 103"/>
+        <p:cNvPr id="98" name="Shape 98"/>
         <p:cNvGrpSpPr/>
         <p:nvPr/>
       </p:nvGrpSpPr>
@@ -3614,7 +3615,7 @@
       </p:grpSpPr>
       <p:sp>
         <p:nvSpPr>
-          <p:cNvPr id="104" name="Google Shape;104;g2a93d7f2d9a_0_201:notes"/>
+          <p:cNvPr id="99" name="Google Shape;99;g2a93d7f2d9a_0_196:notes"/>
           <p:cNvSpPr/>
           <p:nvPr>
             <p:ph idx="2" type="sldImg"/>
@@ -3649,7 +3650,106 @@
       </p:sp>
       <p:sp>
         <p:nvSpPr>
+          <p:cNvPr id="100" name="Google Shape;100;g2a93d7f2d9a_0_196:notes"/>
+          <p:cNvSpPr txBox="1"/>
+          <p:nvPr>
+            <p:ph idx="1" type="body"/>
+          </p:nvPr>
+        </p:nvSpPr>
+        <p:spPr>
+          <a:xfrm>
+            <a:off x="685800" y="4343400"/>
+            <a:ext cx="5486400" cy="4114800"/>
+          </a:xfrm>
+          <a:prstGeom prst="rect">
+            <a:avLst/>
+          </a:prstGeom>
+        </p:spPr>
+        <p:txBody>
+          <a:bodyPr anchorCtr="0" anchor="t" bIns="91425" lIns="91425" spcFirstLastPara="1" rIns="91425" wrap="square" tIns="91425">
+            <a:noAutofit/>
+          </a:bodyPr>
+          <a:lstStyle/>
+          <a:p>
+            <a:pPr indent="0" lvl="0" marL="0" rtl="0" algn="l">
+              <a:spcBef>
+                <a:spcPts val="0"/>
+              </a:spcBef>
+              <a:spcAft>
+                <a:spcPts val="0"/>
+              </a:spcAft>
+              <a:buNone/>
+            </a:pPr>
+            <a:r>
+              <a:t/>
+            </a:r>
+            <a:endParaRPr/>
+          </a:p>
+        </p:txBody>
+      </p:sp>
+    </p:spTree>
+  </p:cSld>
+  <p:clrMapOvr>
+    <a:masterClrMapping/>
+  </p:clrMapOvr>
+</p:notes>
+</file>
+
+<file path=ppt/notesSlides/notesSlide9.xml><?xml version="1.0" encoding="utf-8"?>
+<p:notes xmlns:a="http://schemas.openxmlformats.org/drawingml/2006/main" xmlns:r="http://schemas.openxmlformats.org/officeDocument/2006/relationships" xmlns:mc="http://schemas.openxmlformats.org/markup-compatibility/2006" xmlns:mv="urn:schemas-microsoft-com:mac:vml" xmlns:p="http://schemas.openxmlformats.org/presentationml/2006/main" xmlns:c="http://schemas.openxmlformats.org/drawingml/2006/chart" xmlns:dgm="http://schemas.openxmlformats.org/drawingml/2006/diagram" xmlns:o="urn:schemas-microsoft-com:office:office" xmlns:v="urn:schemas-microsoft-com:vml" xmlns:pvml="urn:schemas-microsoft-com:office:powerpoint" xmlns:com="http://schemas.openxmlformats.org/drawingml/2006/compatibility" xmlns:p14="http://schemas.microsoft.com/office/powerpoint/2010/main" xmlns:p15="http://schemas.microsoft.com/office/powerpoint/2012/main" xmlns:ahyp="http://schemas.microsoft.com/office/drawing/2018/hyperlinkcolor" showMasterPhAnim="0" showMasterSp="0">
+  <p:cSld>
+    <p:spTree>
+      <p:nvGrpSpPr>
+        <p:cNvPr id="104" name="Shape 104"/>
+        <p:cNvGrpSpPr/>
+        <p:nvPr/>
+      </p:nvGrpSpPr>
+      <p:grpSpPr>
+        <a:xfrm>
+          <a:off x="0" y="0"/>
+          <a:ext cx="0" cy="0"/>
+          <a:chOff x="0" y="0"/>
+          <a:chExt cx="0" cy="0"/>
+        </a:xfrm>
+      </p:grpSpPr>
+      <p:sp>
+        <p:nvSpPr>
           <p:cNvPr id="105" name="Google Shape;105;g2a93d7f2d9a_0_201:notes"/>
+          <p:cNvSpPr/>
+          <p:nvPr>
+            <p:ph idx="2" type="sldImg"/>
+          </p:nvPr>
+        </p:nvSpPr>
+        <p:spPr>
+          <a:xfrm>
+            <a:off x="381300" y="685800"/>
+            <a:ext cx="6096000" cy="3429000"/>
+          </a:xfrm>
+          <a:custGeom>
+            <a:rect b="b" l="l" r="r" t="t"/>
+            <a:pathLst>
+              <a:path extrusionOk="0" h="120000" w="120000">
+                <a:moveTo>
+                  <a:pt x="0" y="0"/>
+                </a:moveTo>
+                <a:lnTo>
+                  <a:pt x="120000" y="0"/>
+                </a:lnTo>
+                <a:lnTo>
+                  <a:pt x="120000" y="120000"/>
+                </a:lnTo>
+                <a:lnTo>
+                  <a:pt x="0" y="120000"/>
+                </a:lnTo>
+                <a:close/>
+              </a:path>
+            </a:pathLst>
+          </a:custGeom>
+        </p:spPr>
+      </p:sp>
+      <p:sp>
+        <p:nvSpPr>
+          <p:cNvPr id="106" name="Google Shape;106;g2a93d7f2d9a_0_201:notes"/>
           <p:cNvSpPr txBox="1"/>
           <p:nvPr>
             <p:ph idx="1" type="body"/>
@@ -9183,6 +9283,71 @@
           </a:p>
         </p:txBody>
       </p:sp>
+      <p:sp>
+        <p:nvSpPr>
+          <p:cNvPr id="60" name="Google Shape;60;p13"/>
+          <p:cNvSpPr txBox="1"/>
+          <p:nvPr/>
+        </p:nvSpPr>
+        <p:spPr>
+          <a:xfrm>
+            <a:off x="6839075" y="1934575"/>
+            <a:ext cx="2058600" cy="526500"/>
+          </a:xfrm>
+          <a:prstGeom prst="rect">
+            <a:avLst/>
+          </a:prstGeom>
+          <a:noFill/>
+          <a:ln>
+            <a:noFill/>
+          </a:ln>
+        </p:spPr>
+        <p:txBody>
+          <a:bodyPr anchorCtr="0" anchor="ctr" bIns="91425" lIns="91425" spcFirstLastPara="1" rIns="91425" wrap="square" tIns="91425">
+            <a:noAutofit/>
+          </a:bodyPr>
+          <a:lstStyle/>
+          <a:p>
+            <a:pPr indent="0" lvl="0" marL="0" rtl="0" algn="ctr">
+              <a:spcBef>
+                <a:spcPts val="0"/>
+              </a:spcBef>
+              <a:spcAft>
+                <a:spcPts val="0"/>
+              </a:spcAft>
+              <a:buNone/>
+            </a:pPr>
+            <a:r>
+              <a:rPr lang="en" sz="1800" u="sng">
+                <a:solidFill>
+                  <a:schemeClr val="lt2"/>
+                </a:solidFill>
+                <a:latin typeface="Source Sans Pro"/>
+                <a:ea typeface="Source Sans Pro"/>
+                <a:cs typeface="Source Sans Pro"/>
+                <a:sym typeface="Source Sans Pro"/>
+                <a:hlinkClick r:id="rId3">
+                  <a:extLst>
+                    <a:ext uri="{A12FA001-AC4F-418D-AE19-62706E023703}">
+                      <ahyp:hlinkClr val="tx"/>
+                    </a:ext>
+                  </a:extLst>
+                </a:hlinkClick>
+              </a:rPr>
+              <a:t>Link repository git</a:t>
+            </a:r>
+            <a:endParaRPr sz="1800">
+              <a:solidFill>
+                <a:schemeClr val="lt2"/>
+              </a:solidFill>
+              <a:latin typeface="Source Sans Pro"/>
+              <a:ea typeface="Source Sans Pro"/>
+              <a:cs typeface="Source Sans Pro"/>
+              <a:sym typeface="Source Sans Pro"/>
+            </a:endParaRPr>
+          </a:p>
+        </p:txBody>
+      </p:sp>
     </p:spTree>
   </p:cSld>
   <p:clrMapOvr>
@@ -9196,7 +9361,7 @@
   <p:cSld>
     <p:spTree>
       <p:nvGrpSpPr>
-        <p:cNvPr id="113" name="Shape 113"/>
+        <p:cNvPr id="114" name="Shape 114"/>
         <p:cNvGrpSpPr/>
         <p:nvPr/>
       </p:nvGrpSpPr>
@@ -9210,7 +9375,7 @@
       </p:grpSpPr>
       <p:sp>
         <p:nvSpPr>
-          <p:cNvPr id="114" name="Google Shape;114;p22"/>
+          <p:cNvPr id="115" name="Google Shape;115;p22"/>
           <p:cNvSpPr/>
           <p:nvPr/>
         </p:nvSpPr>
@@ -9264,7 +9429,7 @@
       </p:sp>
       <p:sp>
         <p:nvSpPr>
-          <p:cNvPr id="115" name="Google Shape;115;p22"/>
+          <p:cNvPr id="116" name="Google Shape;116;p22"/>
           <p:cNvSpPr txBox="1"/>
           <p:nvPr>
             <p:ph type="title"/>
@@ -9336,7 +9501,7 @@
       </p:sp>
       <p:sp>
         <p:nvSpPr>
-          <p:cNvPr id="116" name="Google Shape;116;p22"/>
+          <p:cNvPr id="117" name="Google Shape;117;p22"/>
           <p:cNvSpPr txBox="1"/>
           <p:nvPr>
             <p:ph idx="1" type="body"/>
@@ -9527,7 +9692,7 @@
   <p:cSld>
     <p:spTree>
       <p:nvGrpSpPr>
-        <p:cNvPr id="120" name="Shape 120"/>
+        <p:cNvPr id="121" name="Shape 121"/>
         <p:cNvGrpSpPr/>
         <p:nvPr/>
       </p:nvGrpSpPr>
@@ -9541,7 +9706,7 @@
       </p:grpSpPr>
       <p:sp>
         <p:nvSpPr>
-          <p:cNvPr id="121" name="Google Shape;121;p23"/>
+          <p:cNvPr id="122" name="Google Shape;122;p23"/>
           <p:cNvSpPr txBox="1"/>
           <p:nvPr>
             <p:ph type="title"/>
@@ -9581,7 +9746,7 @@
       </p:sp>
       <p:sp>
         <p:nvSpPr>
-          <p:cNvPr id="122" name="Google Shape;122;p23"/>
+          <p:cNvPr id="123" name="Google Shape;123;p23"/>
           <p:cNvSpPr txBox="1"/>
           <p:nvPr>
             <p:ph idx="1" type="body"/>
@@ -10044,7 +10209,7 @@
   <p:cSld>
     <p:spTree>
       <p:nvGrpSpPr>
-        <p:cNvPr id="126" name="Shape 126"/>
+        <p:cNvPr id="127" name="Shape 127"/>
         <p:cNvGrpSpPr/>
         <p:nvPr/>
       </p:nvGrpSpPr>
@@ -10058,7 +10223,7 @@
       </p:grpSpPr>
       <p:sp>
         <p:nvSpPr>
-          <p:cNvPr id="127" name="Google Shape;127;p24"/>
+          <p:cNvPr id="128" name="Google Shape;128;p24"/>
           <p:cNvSpPr txBox="1"/>
           <p:nvPr>
             <p:ph type="title"/>
@@ -10109,7 +10274,7 @@
   <p:cSld>
     <p:spTree>
       <p:nvGrpSpPr>
-        <p:cNvPr id="131" name="Shape 131"/>
+        <p:cNvPr id="132" name="Shape 132"/>
         <p:cNvGrpSpPr/>
         <p:nvPr/>
       </p:nvGrpSpPr>
@@ -10123,7 +10288,7 @@
       </p:grpSpPr>
       <p:sp>
         <p:nvSpPr>
-          <p:cNvPr id="132" name="Google Shape;132;p25"/>
+          <p:cNvPr id="133" name="Google Shape;133;p25"/>
           <p:cNvSpPr txBox="1"/>
           <p:nvPr>
             <p:ph type="title"/>
@@ -10163,7 +10328,7 @@
       </p:sp>
       <p:sp>
         <p:nvSpPr>
-          <p:cNvPr id="133" name="Google Shape;133;p25"/>
+          <p:cNvPr id="134" name="Google Shape;134;p25"/>
           <p:cNvSpPr txBox="1"/>
           <p:nvPr>
             <p:ph idx="1" type="body"/>
@@ -10726,7 +10891,7 @@
   <p:cSld>
     <p:spTree>
       <p:nvGrpSpPr>
-        <p:cNvPr id="137" name="Shape 137"/>
+        <p:cNvPr id="138" name="Shape 138"/>
         <p:cNvGrpSpPr/>
         <p:nvPr/>
       </p:nvGrpSpPr>
@@ -10740,7 +10905,7 @@
       </p:grpSpPr>
       <p:sp>
         <p:nvSpPr>
-          <p:cNvPr id="138" name="Google Shape;138;p26"/>
+          <p:cNvPr id="139" name="Google Shape;139;p26"/>
           <p:cNvSpPr txBox="1"/>
           <p:nvPr>
             <p:ph type="title"/>
@@ -10791,7 +10956,7 @@
   <p:cSld>
     <p:spTree>
       <p:nvGrpSpPr>
-        <p:cNvPr id="142" name="Shape 142"/>
+        <p:cNvPr id="143" name="Shape 143"/>
         <p:cNvGrpSpPr/>
         <p:nvPr/>
       </p:nvGrpSpPr>
@@ -10805,7 +10970,7 @@
       </p:grpSpPr>
       <p:sp>
         <p:nvSpPr>
-          <p:cNvPr id="143" name="Google Shape;143;p27"/>
+          <p:cNvPr id="144" name="Google Shape;144;p27"/>
           <p:cNvSpPr txBox="1"/>
           <p:nvPr>
             <p:ph type="title"/>
@@ -10845,7 +11010,7 @@
       </p:sp>
       <p:sp>
         <p:nvSpPr>
-          <p:cNvPr id="144" name="Google Shape;144;p27"/>
+          <p:cNvPr id="145" name="Google Shape;145;p27"/>
           <p:cNvSpPr txBox="1"/>
           <p:nvPr>
             <p:ph idx="1" type="body"/>
@@ -11267,7 +11432,7 @@
   <p:cSld>
     <p:spTree>
       <p:nvGrpSpPr>
-        <p:cNvPr id="148" name="Shape 148"/>
+        <p:cNvPr id="149" name="Shape 149"/>
         <p:cNvGrpSpPr/>
         <p:nvPr/>
       </p:nvGrpSpPr>
@@ -11281,7 +11446,7 @@
       </p:grpSpPr>
       <p:sp>
         <p:nvSpPr>
-          <p:cNvPr id="149" name="Google Shape;149;p28"/>
+          <p:cNvPr id="150" name="Google Shape;150;p28"/>
           <p:cNvSpPr txBox="1"/>
           <p:nvPr>
             <p:ph type="title"/>
@@ -11326,7 +11491,7 @@
       </p:sp>
       <p:sp>
         <p:nvSpPr>
-          <p:cNvPr id="150" name="Google Shape;150;p28"/>
+          <p:cNvPr id="151" name="Google Shape;151;p28"/>
           <p:cNvSpPr txBox="1"/>
           <p:nvPr>
             <p:ph idx="1" type="body"/>
@@ -11749,7 +11914,7 @@
   <p:cSld>
     <p:spTree>
       <p:nvGrpSpPr>
-        <p:cNvPr id="154" name="Shape 154"/>
+        <p:cNvPr id="155" name="Shape 155"/>
         <p:cNvGrpSpPr/>
         <p:nvPr/>
       </p:nvGrpSpPr>
@@ -11763,7 +11928,7 @@
       </p:grpSpPr>
       <p:sp>
         <p:nvSpPr>
-          <p:cNvPr id="155" name="Google Shape;155;p29"/>
+          <p:cNvPr id="156" name="Google Shape;156;p29"/>
           <p:cNvSpPr txBox="1"/>
           <p:nvPr>
             <p:ph type="title"/>
@@ -11803,7 +11968,7 @@
       </p:sp>
       <p:sp>
         <p:nvSpPr>
-          <p:cNvPr id="156" name="Google Shape;156;p29"/>
+          <p:cNvPr id="157" name="Google Shape;157;p29"/>
           <p:cNvSpPr txBox="1"/>
           <p:nvPr>
             <p:ph idx="1" type="body"/>
@@ -12343,7 +12508,7 @@
   <p:cSld>
     <p:spTree>
       <p:nvGrpSpPr>
-        <p:cNvPr id="160" name="Shape 160"/>
+        <p:cNvPr id="161" name="Shape 161"/>
         <p:cNvGrpSpPr/>
         <p:nvPr/>
       </p:nvGrpSpPr>
@@ -12357,7 +12522,7 @@
       </p:grpSpPr>
       <p:sp>
         <p:nvSpPr>
-          <p:cNvPr id="161" name="Google Shape;161;p30"/>
+          <p:cNvPr id="162" name="Google Shape;162;p30"/>
           <p:cNvSpPr txBox="1"/>
           <p:nvPr>
             <p:ph type="title"/>
@@ -12397,7 +12562,7 @@
       </p:sp>
       <p:sp>
         <p:nvSpPr>
-          <p:cNvPr id="162" name="Google Shape;162;p30"/>
+          <p:cNvPr id="163" name="Google Shape;163;p30"/>
           <p:cNvSpPr txBox="1"/>
           <p:nvPr>
             <p:ph idx="1" type="body"/>
@@ -12969,7 +13134,7 @@
   <p:cSld>
     <p:spTree>
       <p:nvGrpSpPr>
-        <p:cNvPr id="166" name="Shape 166"/>
+        <p:cNvPr id="167" name="Shape 167"/>
         <p:cNvGrpSpPr/>
         <p:nvPr/>
       </p:nvGrpSpPr>
@@ -12983,7 +13148,7 @@
       </p:grpSpPr>
       <p:sp>
         <p:nvSpPr>
-          <p:cNvPr id="167" name="Google Shape;167;p31"/>
+          <p:cNvPr id="168" name="Google Shape;168;p31"/>
           <p:cNvSpPr txBox="1"/>
           <p:nvPr>
             <p:ph type="title"/>
@@ -13023,7 +13188,7 @@
       </p:sp>
       <p:sp>
         <p:nvSpPr>
-          <p:cNvPr id="168" name="Google Shape;168;p31"/>
+          <p:cNvPr id="169" name="Google Shape;169;p31"/>
           <p:cNvSpPr txBox="1"/>
           <p:nvPr>
             <p:ph idx="1" type="body"/>
@@ -14168,7 +14333,7 @@
   <p:cSld>
     <p:spTree>
       <p:nvGrpSpPr>
-        <p:cNvPr id="63" name="Shape 63"/>
+        <p:cNvPr id="64" name="Shape 64"/>
         <p:cNvGrpSpPr/>
         <p:nvPr/>
       </p:nvGrpSpPr>
@@ -14182,7 +14347,7 @@
       </p:grpSpPr>
       <p:sp>
         <p:nvSpPr>
-          <p:cNvPr id="64" name="Google Shape;64;p14"/>
+          <p:cNvPr id="65" name="Google Shape;65;p14"/>
           <p:cNvSpPr txBox="1"/>
           <p:nvPr>
             <p:ph type="title"/>
@@ -14233,7 +14398,7 @@
   <p:cSld>
     <p:spTree>
       <p:nvGrpSpPr>
-        <p:cNvPr id="172" name="Shape 172"/>
+        <p:cNvPr id="173" name="Shape 173"/>
         <p:cNvGrpSpPr/>
         <p:nvPr/>
       </p:nvGrpSpPr>
@@ -14247,7 +14412,7 @@
       </p:grpSpPr>
       <p:sp>
         <p:nvSpPr>
-          <p:cNvPr id="173" name="Google Shape;173;p32"/>
+          <p:cNvPr id="174" name="Google Shape;174;p32"/>
           <p:cNvSpPr txBox="1"/>
           <p:nvPr>
             <p:ph type="title"/>
@@ -14287,7 +14452,7 @@
       </p:sp>
       <p:sp>
         <p:nvSpPr>
-          <p:cNvPr id="174" name="Google Shape;174;p32"/>
+          <p:cNvPr id="175" name="Google Shape;175;p32"/>
           <p:cNvSpPr txBox="1"/>
           <p:nvPr>
             <p:ph idx="1" type="body"/>
@@ -15250,7 +15415,7 @@
   <p:cSld>
     <p:spTree>
       <p:nvGrpSpPr>
-        <p:cNvPr id="178" name="Shape 178"/>
+        <p:cNvPr id="179" name="Shape 179"/>
         <p:cNvGrpSpPr/>
         <p:nvPr/>
       </p:nvGrpSpPr>
@@ -15264,7 +15429,7 @@
       </p:grpSpPr>
       <p:sp>
         <p:nvSpPr>
-          <p:cNvPr id="179" name="Google Shape;179;p33"/>
+          <p:cNvPr id="180" name="Google Shape;180;p33"/>
           <p:cNvSpPr txBox="1"/>
           <p:nvPr>
             <p:ph type="title"/>
@@ -15308,7 +15473,7 @@
       </p:sp>
       <p:sp>
         <p:nvSpPr>
-          <p:cNvPr id="180" name="Google Shape;180;p33"/>
+          <p:cNvPr id="181" name="Google Shape;181;p33"/>
           <p:cNvSpPr txBox="1"/>
           <p:nvPr>
             <p:ph idx="1" type="body"/>
@@ -15754,7 +15919,7 @@
   <p:cSld>
     <p:spTree>
       <p:nvGrpSpPr>
-        <p:cNvPr id="184" name="Shape 184"/>
+        <p:cNvPr id="185" name="Shape 185"/>
         <p:cNvGrpSpPr/>
         <p:nvPr/>
       </p:nvGrpSpPr>
@@ -15768,7 +15933,7 @@
       </p:grpSpPr>
       <p:sp>
         <p:nvSpPr>
-          <p:cNvPr id="185" name="Google Shape;185;p34"/>
+          <p:cNvPr id="186" name="Google Shape;186;p34"/>
           <p:cNvSpPr txBox="1"/>
           <p:nvPr>
             <p:ph type="title"/>
@@ -15808,7 +15973,7 @@
       </p:sp>
       <p:sp>
         <p:nvSpPr>
-          <p:cNvPr id="186" name="Google Shape;186;p34"/>
+          <p:cNvPr id="187" name="Google Shape;187;p34"/>
           <p:cNvSpPr txBox="1"/>
           <p:nvPr>
             <p:ph idx="1" type="body"/>
@@ -16255,7 +16420,7 @@
   <p:cSld>
     <p:spTree>
       <p:nvGrpSpPr>
-        <p:cNvPr id="190" name="Shape 190"/>
+        <p:cNvPr id="191" name="Shape 191"/>
         <p:cNvGrpSpPr/>
         <p:nvPr/>
       </p:nvGrpSpPr>
@@ -16269,7 +16434,7 @@
       </p:grpSpPr>
       <p:sp>
         <p:nvSpPr>
-          <p:cNvPr id="191" name="Google Shape;191;p35"/>
+          <p:cNvPr id="192" name="Google Shape;192;p35"/>
           <p:cNvSpPr txBox="1"/>
           <p:nvPr>
             <p:ph type="title"/>
@@ -16309,7 +16474,7 @@
       </p:sp>
       <p:sp>
         <p:nvSpPr>
-          <p:cNvPr id="192" name="Google Shape;192;p35"/>
+          <p:cNvPr id="193" name="Google Shape;193;p35"/>
           <p:cNvSpPr txBox="1"/>
           <p:nvPr>
             <p:ph idx="1" type="body"/>
@@ -16914,7 +17079,7 @@
   <p:cSld>
     <p:spTree>
       <p:nvGrpSpPr>
-        <p:cNvPr id="196" name="Shape 196"/>
+        <p:cNvPr id="197" name="Shape 197"/>
         <p:cNvGrpSpPr/>
         <p:nvPr/>
       </p:nvGrpSpPr>
@@ -16928,7 +17093,7 @@
       </p:grpSpPr>
       <p:sp>
         <p:nvSpPr>
-          <p:cNvPr id="197" name="Google Shape;197;p36"/>
+          <p:cNvPr id="198" name="Google Shape;198;p36"/>
           <p:cNvSpPr txBox="1"/>
           <p:nvPr>
             <p:ph type="title"/>
@@ -16979,7 +17144,7 @@
   <p:cSld>
     <p:spTree>
       <p:nvGrpSpPr>
-        <p:cNvPr id="201" name="Shape 201"/>
+        <p:cNvPr id="202" name="Shape 202"/>
         <p:cNvGrpSpPr/>
         <p:nvPr/>
       </p:nvGrpSpPr>
@@ -16993,7 +17158,7 @@
       </p:grpSpPr>
       <p:sp>
         <p:nvSpPr>
-          <p:cNvPr id="202" name="Google Shape;202;p37"/>
+          <p:cNvPr id="203" name="Google Shape;203;p37"/>
           <p:cNvSpPr txBox="1"/>
           <p:nvPr>
             <p:ph type="title"/>
@@ -17054,7 +17219,7 @@
       </p:sp>
       <p:sp>
         <p:nvSpPr>
-          <p:cNvPr id="203" name="Google Shape;203;p37"/>
+          <p:cNvPr id="204" name="Google Shape;204;p37"/>
           <p:cNvSpPr txBox="1"/>
           <p:nvPr>
             <p:ph idx="1" type="body"/>
@@ -17583,7 +17748,7 @@
   <p:cSld>
     <p:spTree>
       <p:nvGrpSpPr>
-        <p:cNvPr id="207" name="Shape 207"/>
+        <p:cNvPr id="208" name="Shape 208"/>
         <p:cNvGrpSpPr/>
         <p:nvPr/>
       </p:nvGrpSpPr>
@@ -17597,7 +17762,7 @@
       </p:grpSpPr>
       <p:sp>
         <p:nvSpPr>
-          <p:cNvPr id="208" name="Google Shape;208;p38"/>
+          <p:cNvPr id="209" name="Google Shape;209;p38"/>
           <p:cNvSpPr txBox="1"/>
           <p:nvPr>
             <p:ph type="title"/>
@@ -17658,7 +17823,7 @@
       </p:sp>
       <p:sp>
         <p:nvSpPr>
-          <p:cNvPr id="209" name="Google Shape;209;p38"/>
+          <p:cNvPr id="210" name="Google Shape;210;p38"/>
           <p:cNvSpPr txBox="1"/>
           <p:nvPr>
             <p:ph idx="1" type="body"/>
@@ -17815,7 +17980,7 @@
   <p:cSld>
     <p:spTree>
       <p:nvGrpSpPr>
-        <p:cNvPr id="213" name="Shape 213"/>
+        <p:cNvPr id="214" name="Shape 214"/>
         <p:cNvGrpSpPr/>
         <p:nvPr/>
       </p:nvGrpSpPr>
@@ -17829,7 +17994,7 @@
       </p:grpSpPr>
       <p:sp>
         <p:nvSpPr>
-          <p:cNvPr id="214" name="Google Shape;214;p39"/>
+          <p:cNvPr id="215" name="Google Shape;215;p39"/>
           <p:cNvSpPr txBox="1"/>
           <p:nvPr>
             <p:ph type="title"/>
@@ -17880,7 +18045,7 @@
   <p:cSld>
     <p:spTree>
       <p:nvGrpSpPr>
-        <p:cNvPr id="218" name="Shape 218"/>
+        <p:cNvPr id="219" name="Shape 219"/>
         <p:cNvGrpSpPr/>
         <p:nvPr/>
       </p:nvGrpSpPr>
@@ -17894,7 +18059,7 @@
       </p:grpSpPr>
       <p:sp>
         <p:nvSpPr>
-          <p:cNvPr id="219" name="Google Shape;219;p40"/>
+          <p:cNvPr id="220" name="Google Shape;220;p40"/>
           <p:cNvSpPr txBox="1"/>
           <p:nvPr>
             <p:ph type="title"/>
@@ -17934,7 +18099,7 @@
       </p:sp>
       <p:sp>
         <p:nvSpPr>
-          <p:cNvPr id="220" name="Google Shape;220;p40"/>
+          <p:cNvPr id="221" name="Google Shape;221;p40"/>
           <p:cNvSpPr txBox="1"/>
           <p:nvPr>
             <p:ph idx="1" type="body"/>
@@ -18188,7 +18353,7 @@
   <p:cSld>
     <p:spTree>
       <p:nvGrpSpPr>
-        <p:cNvPr id="224" name="Shape 224"/>
+        <p:cNvPr id="225" name="Shape 225"/>
         <p:cNvGrpSpPr/>
         <p:nvPr/>
       </p:nvGrpSpPr>
@@ -18202,7 +18367,7 @@
       </p:grpSpPr>
       <p:sp>
         <p:nvSpPr>
-          <p:cNvPr id="225" name="Google Shape;225;p41"/>
+          <p:cNvPr id="226" name="Google Shape;226;p41"/>
           <p:cNvSpPr txBox="1"/>
           <p:nvPr>
             <p:ph type="title"/>
@@ -18253,7 +18418,7 @@
   <p:cSld>
     <p:spTree>
       <p:nvGrpSpPr>
-        <p:cNvPr id="68" name="Shape 68"/>
+        <p:cNvPr id="69" name="Shape 69"/>
         <p:cNvGrpSpPr/>
         <p:nvPr/>
       </p:nvGrpSpPr>
@@ -18267,7 +18432,7 @@
       </p:grpSpPr>
       <p:sp>
         <p:nvSpPr>
-          <p:cNvPr id="69" name="Google Shape;69;p15"/>
+          <p:cNvPr id="70" name="Google Shape;70;p15"/>
           <p:cNvSpPr/>
           <p:nvPr/>
         </p:nvSpPr>
@@ -18321,7 +18486,7 @@
       </p:sp>
       <p:sp>
         <p:nvSpPr>
-          <p:cNvPr id="70" name="Google Shape;70;p15"/>
+          <p:cNvPr id="71" name="Google Shape;71;p15"/>
           <p:cNvSpPr txBox="1"/>
           <p:nvPr>
             <p:ph type="title"/>
@@ -18369,7 +18534,7 @@
       </p:sp>
       <p:sp>
         <p:nvSpPr>
-          <p:cNvPr id="71" name="Google Shape;71;p15"/>
+          <p:cNvPr id="72" name="Google Shape;72;p15"/>
           <p:cNvSpPr txBox="1"/>
           <p:nvPr>
             <p:ph idx="1" type="body"/>
@@ -18504,7 +18669,7 @@
   <p:cSld>
     <p:spTree>
       <p:nvGrpSpPr>
-        <p:cNvPr id="229" name="Shape 229"/>
+        <p:cNvPr id="230" name="Shape 230"/>
         <p:cNvGrpSpPr/>
         <p:nvPr/>
       </p:nvGrpSpPr>
@@ -18518,7 +18683,195 @@
       </p:grpSpPr>
       <p:sp>
         <p:nvSpPr>
-          <p:cNvPr id="230" name="Google Shape;230;p42"/>
+          <p:cNvPr id="231" name="Google Shape;231;p42"/>
+          <p:cNvSpPr txBox="1"/>
+          <p:nvPr>
+            <p:ph type="title"/>
+          </p:nvPr>
+        </p:nvSpPr>
+        <p:spPr>
+          <a:xfrm>
+            <a:off x="311700" y="91125"/>
+            <a:ext cx="8520600" cy="623400"/>
+          </a:xfrm>
+          <a:prstGeom prst="rect">
+            <a:avLst/>
+          </a:prstGeom>
+        </p:spPr>
+        <p:txBody>
+          <a:bodyPr anchorCtr="0" anchor="t" bIns="91425" lIns="91425" spcFirstLastPara="1" rIns="91425" wrap="square" tIns="91425">
+            <a:normAutofit fontScale="90000"/>
+          </a:bodyPr>
+          <a:lstStyle/>
+          <a:p>
+            <a:pPr indent="0" lvl="0" marL="0" rtl="0" algn="l">
+              <a:spcBef>
+                <a:spcPts val="0"/>
+              </a:spcBef>
+              <a:spcAft>
+                <a:spcPts val="0"/>
+              </a:spcAft>
+              <a:buNone/>
+            </a:pPr>
+            <a:r>
+              <a:rPr lang="en"/>
+              <a:t>Descriere aplicație client</a:t>
+            </a:r>
+            <a:endParaRPr/>
+          </a:p>
+        </p:txBody>
+      </p:sp>
+      <p:sp>
+        <p:nvSpPr>
+          <p:cNvPr id="232" name="Google Shape;232;p42"/>
+          <p:cNvSpPr txBox="1"/>
+          <p:nvPr>
+            <p:ph idx="1" type="body"/>
+          </p:nvPr>
+        </p:nvSpPr>
+        <p:spPr>
+          <a:xfrm>
+            <a:off x="311700" y="601950"/>
+            <a:ext cx="8520600" cy="3416400"/>
+          </a:xfrm>
+          <a:prstGeom prst="rect">
+            <a:avLst/>
+          </a:prstGeom>
+        </p:spPr>
+        <p:txBody>
+          <a:bodyPr anchorCtr="0" anchor="t" bIns="91425" lIns="91425" spcFirstLastPara="1" rIns="91425" wrap="square" tIns="91425">
+            <a:normAutofit/>
+          </a:bodyPr>
+          <a:lstStyle/>
+          <a:p>
+            <a:pPr indent="-342900" lvl="0" marL="457200" rtl="0" algn="l">
+              <a:spcBef>
+                <a:spcPts val="0"/>
+              </a:spcBef>
+              <a:spcAft>
+                <a:spcPts val="0"/>
+              </a:spcAft>
+              <a:buClr>
+                <a:schemeClr val="dk2"/>
+              </a:buClr>
+              <a:buSzPts val="1800"/>
+              <a:buChar char="-"/>
+            </a:pPr>
+            <a:r>
+              <a:rPr lang="en">
+                <a:solidFill>
+                  <a:schemeClr val="dk2"/>
+                </a:solidFill>
+              </a:rPr>
+              <a:t>Pentru implementarea aplicației, am folosit modulul de conectare la baze de date PostgreSQL </a:t>
+            </a:r>
+            <a:r>
+              <a:rPr i="1" lang="en">
+                <a:solidFill>
+                  <a:schemeClr val="dk2"/>
+                </a:solidFill>
+              </a:rPr>
+              <a:t>psycopg2 </a:t>
+            </a:r>
+            <a:r>
+              <a:rPr lang="en">
+                <a:solidFill>
+                  <a:schemeClr val="dk2"/>
+                </a:solidFill>
+              </a:rPr>
+              <a:t>pentru Python și am descris o aplicație simplă în consolă care ne permite operații de manipulare a datelor (INSERT, UPDATE, DELETE) și căutare (prin SELECT).</a:t>
+            </a:r>
+            <a:endParaRPr>
+              <a:solidFill>
+                <a:schemeClr val="dk2"/>
+              </a:solidFill>
+            </a:endParaRPr>
+          </a:p>
+        </p:txBody>
+      </p:sp>
+      <p:pic>
+        <p:nvPicPr>
+          <p:cNvPr id="233" name="Google Shape;233;p42"/>
+          <p:cNvPicPr preferRelativeResize="0"/>
+          <p:nvPr/>
+        </p:nvPicPr>
+        <p:blipFill rotWithShape="1">
+          <a:blip r:embed="rId3">
+            <a:alphaModFix/>
+          </a:blip>
+          <a:srcRect b="0" l="0" r="0" t="852"/>
+          <a:stretch/>
+        </p:blipFill>
+        <p:spPr>
+          <a:xfrm>
+            <a:off x="444975" y="1946425"/>
+            <a:ext cx="5764800" cy="3119775"/>
+          </a:xfrm>
+          <a:prstGeom prst="rect">
+            <a:avLst/>
+          </a:prstGeom>
+          <a:noFill/>
+          <a:ln>
+            <a:noFill/>
+          </a:ln>
+        </p:spPr>
+      </p:pic>
+      <p:pic>
+        <p:nvPicPr>
+          <p:cNvPr id="234" name="Google Shape;234;p42"/>
+          <p:cNvPicPr preferRelativeResize="0"/>
+          <p:nvPr/>
+        </p:nvPicPr>
+        <p:blipFill>
+          <a:blip r:embed="rId4">
+            <a:alphaModFix/>
+          </a:blip>
+          <a:stretch>
+            <a:fillRect/>
+          </a:stretch>
+        </p:blipFill>
+        <p:spPr>
+          <a:xfrm>
+            <a:off x="3484950" y="1608075"/>
+            <a:ext cx="5253202" cy="2845500"/>
+          </a:xfrm>
+          <a:prstGeom prst="rect">
+            <a:avLst/>
+          </a:prstGeom>
+          <a:noFill/>
+          <a:ln>
+            <a:noFill/>
+          </a:ln>
+        </p:spPr>
+      </p:pic>
+    </p:spTree>
+  </p:cSld>
+  <p:clrMapOvr>
+    <a:masterClrMapping/>
+  </p:clrMapOvr>
+</p:sld>
+</file>
+
+<file path=ppt/slides/slide31.xml><?xml version="1.0" encoding="utf-8"?>
+<p:sld xmlns:a="http://schemas.openxmlformats.org/drawingml/2006/main" xmlns:r="http://schemas.openxmlformats.org/officeDocument/2006/relationships" xmlns:mc="http://schemas.openxmlformats.org/markup-compatibility/2006" xmlns:mv="urn:schemas-microsoft-com:mac:vml" xmlns:p="http://schemas.openxmlformats.org/presentationml/2006/main" xmlns:c="http://schemas.openxmlformats.org/drawingml/2006/chart" xmlns:dgm="http://schemas.openxmlformats.org/drawingml/2006/diagram" xmlns:o="urn:schemas-microsoft-com:office:office" xmlns:v="urn:schemas-microsoft-com:vml" xmlns:pvml="urn:schemas-microsoft-com:office:powerpoint" xmlns:com="http://schemas.openxmlformats.org/drawingml/2006/compatibility" xmlns:p14="http://schemas.microsoft.com/office/powerpoint/2010/main" xmlns:p15="http://schemas.microsoft.com/office/powerpoint/2012/main" xmlns:ahyp="http://schemas.microsoft.com/office/drawing/2018/hyperlinkcolor">
+  <p:cSld>
+    <p:spTree>
+      <p:nvGrpSpPr>
+        <p:cNvPr id="238" name="Shape 238"/>
+        <p:cNvGrpSpPr/>
+        <p:nvPr/>
+      </p:nvGrpSpPr>
+      <p:grpSpPr>
+        <a:xfrm>
+          <a:off x="0" y="0"/>
+          <a:ext cx="0" cy="0"/>
+          <a:chOff x="0" y="0"/>
+          <a:chExt cx="0" cy="0"/>
+        </a:xfrm>
+      </p:grpSpPr>
+      <p:sp>
+        <p:nvSpPr>
+          <p:cNvPr id="239" name="Google Shape;239;p43"/>
           <p:cNvSpPr txBox="1"/>
           <p:nvPr>
             <p:ph type="title"/>
@@ -18550,15 +18903,19 @@
             </a:pPr>
             <a:r>
               <a:rPr lang="en"/>
-              <a:t>Descriere aplicație client de tip CRUD</a:t>
-            </a:r>
-            <a:endParaRPr/>
+              <a:t>Modulul </a:t>
+            </a:r>
+            <a:r>
+              <a:rPr i="1" lang="en"/>
+              <a:t>psycopg2</a:t>
+            </a:r>
+            <a:endParaRPr i="1"/>
           </a:p>
         </p:txBody>
       </p:sp>
       <p:sp>
         <p:nvSpPr>
-          <p:cNvPr id="231" name="Google Shape;231;p42"/>
+          <p:cNvPr id="240" name="Google Shape;240;p43"/>
           <p:cNvSpPr txBox="1"/>
           <p:nvPr>
             <p:ph idx="1" type="body"/>
@@ -18579,72 +18936,1422 @@
           </a:bodyPr>
           <a:lstStyle/>
           <a:p>
-            <a:pPr indent="-342900" lvl="0" marL="457200" rtl="0" algn="l">
-              <a:spcBef>
-                <a:spcPts val="0"/>
-              </a:spcBef>
-              <a:spcAft>
-                <a:spcPts val="0"/>
-              </a:spcAft>
-              <a:buSzPts val="1800"/>
-              <a:buChar char="-"/>
-            </a:pPr>
-            <a:r>
-              <a:rPr lang="en"/>
-              <a:t>Tech stack folosit etc.</a:t>
-            </a:r>
-            <a:endParaRPr/>
-          </a:p>
-          <a:p>
-            <a:pPr indent="-342900" lvl="0" marL="457200" rtl="0" algn="l">
-              <a:spcBef>
-                <a:spcPts val="0"/>
-              </a:spcBef>
-              <a:spcAft>
-                <a:spcPts val="0"/>
-              </a:spcAft>
-              <a:buSzPts val="1800"/>
-              <a:buChar char="-"/>
-            </a:pPr>
-            <a:r>
-              <a:rPr lang="en"/>
-              <a:t>Cerinte</a:t>
-            </a:r>
-            <a:endParaRPr/>
-          </a:p>
-          <a:p>
-            <a:pPr indent="-342900" lvl="0" marL="457200" rtl="0" algn="l">
-              <a:spcBef>
-                <a:spcPts val="0"/>
-              </a:spcBef>
-              <a:spcAft>
-                <a:spcPts val="0"/>
-              </a:spcAft>
-              <a:buSzPts val="1800"/>
-              <a:buChar char="-"/>
-            </a:pPr>
-            <a:r>
-              <a:rPr lang="en"/>
-              <a:t>Optiuni</a:t>
-            </a:r>
-            <a:endParaRPr/>
-          </a:p>
-          <a:p>
-            <a:pPr indent="-342900" lvl="0" marL="457200" rtl="0" algn="l">
-              <a:spcBef>
-                <a:spcPts val="0"/>
-              </a:spcBef>
-              <a:spcAft>
-                <a:spcPts val="0"/>
-              </a:spcAft>
-              <a:buSzPts val="1800"/>
-              <a:buChar char="-"/>
-            </a:pPr>
-            <a:r>
-              <a:rPr lang="en"/>
-              <a:t>etc</a:t>
-            </a:r>
-            <a:endParaRPr/>
+            <a:pPr indent="-330200" lvl="0" marL="457200" rtl="0" algn="l">
+              <a:spcBef>
+                <a:spcPts val="0"/>
+              </a:spcBef>
+              <a:spcAft>
+                <a:spcPts val="0"/>
+              </a:spcAft>
+              <a:buClr>
+                <a:schemeClr val="dk2"/>
+              </a:buClr>
+              <a:buSzPts val="1600"/>
+              <a:buChar char="●"/>
+            </a:pPr>
+            <a:r>
+              <a:rPr lang="en" sz="1600">
+                <a:solidFill>
+                  <a:schemeClr val="dk2"/>
+                </a:solidFill>
+              </a:rPr>
+              <a:t>Acest modul pentru limbajul de programare </a:t>
+            </a:r>
+            <a:r>
+              <a:rPr b="1" lang="en" sz="1600">
+                <a:solidFill>
+                  <a:schemeClr val="dk2"/>
+                </a:solidFill>
+              </a:rPr>
+              <a:t>Python </a:t>
+            </a:r>
+            <a:r>
+              <a:rPr lang="en" sz="1600">
+                <a:solidFill>
+                  <a:schemeClr val="dk2"/>
+                </a:solidFill>
+              </a:rPr>
+              <a:t>îmi</a:t>
+            </a:r>
+            <a:r>
+              <a:rPr lang="en" sz="1600">
+                <a:solidFill>
+                  <a:schemeClr val="dk2"/>
+                </a:solidFill>
+              </a:rPr>
+              <a:t> permite interogarea serverului </a:t>
+            </a:r>
+            <a:r>
+              <a:rPr b="1" lang="en" sz="1600">
+                <a:solidFill>
+                  <a:schemeClr val="dk2"/>
+                </a:solidFill>
+              </a:rPr>
+              <a:t>PostgreSQL </a:t>
+            </a:r>
+            <a:r>
+              <a:rPr lang="en" sz="1600">
+                <a:solidFill>
+                  <a:schemeClr val="dk2"/>
+                </a:solidFill>
+              </a:rPr>
+              <a:t>cu query-uri trimise chiar din aplicația implementată, într-o manieră </a:t>
+            </a:r>
+            <a:r>
+              <a:rPr lang="en" sz="1600">
+                <a:solidFill>
+                  <a:schemeClr val="dk2"/>
+                </a:solidFill>
+              </a:rPr>
+              <a:t>asemănătoare</a:t>
+            </a:r>
+            <a:r>
+              <a:rPr lang="en" sz="1600">
+                <a:solidFill>
+                  <a:schemeClr val="dk2"/>
+                </a:solidFill>
+              </a:rPr>
+              <a:t> cu </a:t>
+            </a:r>
+            <a:r>
+              <a:rPr i="1" lang="en" sz="1600">
+                <a:solidFill>
+                  <a:schemeClr val="dk2"/>
+                </a:solidFill>
+              </a:rPr>
+              <a:t>API</a:t>
+            </a:r>
+            <a:r>
+              <a:rPr lang="en" sz="1600">
+                <a:solidFill>
+                  <a:schemeClr val="dk2"/>
+                </a:solidFill>
+              </a:rPr>
+              <a:t>-ul din </a:t>
+            </a:r>
+            <a:r>
+              <a:rPr b="1" lang="en" sz="1600">
+                <a:solidFill>
+                  <a:schemeClr val="dk2"/>
+                </a:solidFill>
+              </a:rPr>
+              <a:t>Java </a:t>
+            </a:r>
+            <a:r>
+              <a:rPr b="1" i="1" lang="en" sz="1600">
+                <a:solidFill>
+                  <a:schemeClr val="dk2"/>
+                </a:solidFill>
+              </a:rPr>
+              <a:t>JDBC</a:t>
+            </a:r>
+            <a:r>
+              <a:rPr lang="en" sz="1600">
+                <a:solidFill>
+                  <a:schemeClr val="dk2"/>
+                </a:solidFill>
+              </a:rPr>
+              <a:t>.</a:t>
+            </a:r>
+            <a:endParaRPr sz="1600">
+              <a:solidFill>
+                <a:schemeClr val="dk2"/>
+              </a:solidFill>
+            </a:endParaRPr>
+          </a:p>
+          <a:p>
+            <a:pPr indent="-330200" lvl="0" marL="457200" rtl="0" algn="l">
+              <a:spcBef>
+                <a:spcPts val="0"/>
+              </a:spcBef>
+              <a:spcAft>
+                <a:spcPts val="0"/>
+              </a:spcAft>
+              <a:buClr>
+                <a:schemeClr val="dk2"/>
+              </a:buClr>
+              <a:buSzPts val="1600"/>
+              <a:buChar char="●"/>
+            </a:pPr>
+            <a:r>
+              <a:rPr lang="en" sz="1600">
+                <a:solidFill>
+                  <a:schemeClr val="dk2"/>
+                </a:solidFill>
+              </a:rPr>
+              <a:t>Fiecare interogare se bazează pe un obiect de tip Connection care leagă aplicația de serverul PostgreSQL specificat, iar acesta poate returna mai multe obiecte de tip Cursor care pot executa query-uri SQL.</a:t>
+            </a:r>
+            <a:endParaRPr>
+              <a:solidFill>
+                <a:schemeClr val="dk2"/>
+              </a:solidFill>
+            </a:endParaRPr>
+          </a:p>
+        </p:txBody>
+      </p:sp>
+      <p:sp>
+        <p:nvSpPr>
+          <p:cNvPr id="241" name="Google Shape;241;p43"/>
+          <p:cNvSpPr txBox="1"/>
+          <p:nvPr/>
+        </p:nvSpPr>
+        <p:spPr>
+          <a:xfrm>
+            <a:off x="311700" y="3052700"/>
+            <a:ext cx="4058400" cy="1626900"/>
+          </a:xfrm>
+          <a:prstGeom prst="rect">
+            <a:avLst/>
+          </a:prstGeom>
+          <a:noFill/>
+          <a:ln>
+            <a:noFill/>
+          </a:ln>
+        </p:spPr>
+        <p:txBody>
+          <a:bodyPr anchorCtr="0" anchor="t" bIns="91425" lIns="91425" spcFirstLastPara="1" rIns="91425" wrap="square" tIns="91425">
+            <a:noAutofit/>
+          </a:bodyPr>
+          <a:lstStyle/>
+          <a:p>
+            <a:pPr indent="457200" lvl="0" marL="0" rtl="0" algn="l">
+              <a:spcBef>
+                <a:spcPts val="0"/>
+              </a:spcBef>
+              <a:spcAft>
+                <a:spcPts val="0"/>
+              </a:spcAft>
+              <a:buNone/>
+            </a:pPr>
+            <a:r>
+              <a:rPr b="1" lang="en" sz="1200">
+                <a:solidFill>
+                  <a:srgbClr val="6A9955"/>
+                </a:solidFill>
+                <a:latin typeface="Courier New"/>
+                <a:ea typeface="Courier New"/>
+                <a:cs typeface="Courier New"/>
+                <a:sym typeface="Courier New"/>
+              </a:rPr>
+              <a:t># Conectare server PostgreSQL</a:t>
+            </a:r>
+            <a:endParaRPr b="1" sz="1200">
+              <a:solidFill>
+                <a:srgbClr val="9CDCFE"/>
+              </a:solidFill>
+              <a:latin typeface="Courier New"/>
+              <a:ea typeface="Courier New"/>
+              <a:cs typeface="Courier New"/>
+              <a:sym typeface="Courier New"/>
+            </a:endParaRPr>
+          </a:p>
+          <a:p>
+            <a:pPr indent="457200" lvl="0" marL="0" rtl="0" algn="l">
+              <a:spcBef>
+                <a:spcPts val="0"/>
+              </a:spcBef>
+              <a:spcAft>
+                <a:spcPts val="0"/>
+              </a:spcAft>
+              <a:buClr>
+                <a:schemeClr val="dk2"/>
+              </a:buClr>
+              <a:buSzPts val="1100"/>
+              <a:buFont typeface="Arial"/>
+              <a:buNone/>
+            </a:pPr>
+            <a:r>
+              <a:rPr b="1" lang="en" sz="1200">
+                <a:solidFill>
+                  <a:srgbClr val="9CDCFE"/>
+                </a:solidFill>
+                <a:latin typeface="Courier New"/>
+                <a:ea typeface="Courier New"/>
+                <a:cs typeface="Courier New"/>
+                <a:sym typeface="Courier New"/>
+              </a:rPr>
+              <a:t>connection</a:t>
+            </a:r>
+            <a:r>
+              <a:rPr b="1" lang="en" sz="1200">
+                <a:solidFill>
+                  <a:srgbClr val="CCCCCC"/>
+                </a:solidFill>
+                <a:latin typeface="Courier New"/>
+                <a:ea typeface="Courier New"/>
+                <a:cs typeface="Courier New"/>
+                <a:sym typeface="Courier New"/>
+              </a:rPr>
+              <a:t> </a:t>
+            </a:r>
+            <a:r>
+              <a:rPr b="1" lang="en" sz="1200">
+                <a:solidFill>
+                  <a:srgbClr val="D4D4D4"/>
+                </a:solidFill>
+                <a:latin typeface="Courier New"/>
+                <a:ea typeface="Courier New"/>
+                <a:cs typeface="Courier New"/>
+                <a:sym typeface="Courier New"/>
+              </a:rPr>
+              <a:t>=</a:t>
+            </a:r>
+            <a:r>
+              <a:rPr b="1" lang="en" sz="1200">
+                <a:solidFill>
+                  <a:srgbClr val="CCCCCC"/>
+                </a:solidFill>
+                <a:latin typeface="Courier New"/>
+                <a:ea typeface="Courier New"/>
+                <a:cs typeface="Courier New"/>
+                <a:sym typeface="Courier New"/>
+              </a:rPr>
+              <a:t> </a:t>
+            </a:r>
+            <a:r>
+              <a:rPr b="1" lang="en" sz="1200">
+                <a:solidFill>
+                  <a:srgbClr val="4EC9B0"/>
+                </a:solidFill>
+                <a:latin typeface="Courier New"/>
+                <a:ea typeface="Courier New"/>
+                <a:cs typeface="Courier New"/>
+                <a:sym typeface="Courier New"/>
+              </a:rPr>
+              <a:t>psycopg2</a:t>
+            </a:r>
+            <a:r>
+              <a:rPr b="1" lang="en" sz="1200">
+                <a:solidFill>
+                  <a:srgbClr val="CCCCCC"/>
+                </a:solidFill>
+                <a:latin typeface="Courier New"/>
+                <a:ea typeface="Courier New"/>
+                <a:cs typeface="Courier New"/>
+                <a:sym typeface="Courier New"/>
+              </a:rPr>
+              <a:t>.</a:t>
+            </a:r>
+            <a:r>
+              <a:rPr b="1" lang="en" sz="1200">
+                <a:solidFill>
+                  <a:srgbClr val="DCDCAA"/>
+                </a:solidFill>
+                <a:latin typeface="Courier New"/>
+                <a:ea typeface="Courier New"/>
+                <a:cs typeface="Courier New"/>
+                <a:sym typeface="Courier New"/>
+              </a:rPr>
+              <a:t>connect</a:t>
+            </a:r>
+            <a:r>
+              <a:rPr b="1" lang="en" sz="1200">
+                <a:solidFill>
+                  <a:srgbClr val="CCCCCC"/>
+                </a:solidFill>
+                <a:latin typeface="Courier New"/>
+                <a:ea typeface="Courier New"/>
+                <a:cs typeface="Courier New"/>
+                <a:sym typeface="Courier New"/>
+              </a:rPr>
+              <a:t>(</a:t>
+            </a:r>
+            <a:endParaRPr b="1" sz="1200">
+              <a:solidFill>
+                <a:srgbClr val="CCCCCC"/>
+              </a:solidFill>
+              <a:latin typeface="Courier New"/>
+              <a:ea typeface="Courier New"/>
+              <a:cs typeface="Courier New"/>
+              <a:sym typeface="Courier New"/>
+            </a:endParaRPr>
+          </a:p>
+          <a:p>
+            <a:pPr indent="0" lvl="0" marL="0" rtl="0" algn="l">
+              <a:spcBef>
+                <a:spcPts val="0"/>
+              </a:spcBef>
+              <a:spcAft>
+                <a:spcPts val="0"/>
+              </a:spcAft>
+              <a:buClr>
+                <a:schemeClr val="dk2"/>
+              </a:buClr>
+              <a:buSzPts val="1100"/>
+              <a:buFont typeface="Arial"/>
+              <a:buNone/>
+            </a:pPr>
+            <a:r>
+              <a:rPr b="1" lang="en" sz="1200">
+                <a:solidFill>
+                  <a:srgbClr val="CCCCCC"/>
+                </a:solidFill>
+                <a:latin typeface="Courier New"/>
+                <a:ea typeface="Courier New"/>
+                <a:cs typeface="Courier New"/>
+                <a:sym typeface="Courier New"/>
+              </a:rPr>
+              <a:t>            </a:t>
+            </a:r>
+            <a:r>
+              <a:rPr b="1" lang="en" sz="1200">
+                <a:solidFill>
+                  <a:srgbClr val="9CDCFE"/>
+                </a:solidFill>
+                <a:latin typeface="Courier New"/>
+                <a:ea typeface="Courier New"/>
+                <a:cs typeface="Courier New"/>
+                <a:sym typeface="Courier New"/>
+              </a:rPr>
+              <a:t>database</a:t>
+            </a:r>
+            <a:r>
+              <a:rPr b="1" lang="en" sz="1200">
+                <a:solidFill>
+                  <a:srgbClr val="D4D4D4"/>
+                </a:solidFill>
+                <a:latin typeface="Courier New"/>
+                <a:ea typeface="Courier New"/>
+                <a:cs typeface="Courier New"/>
+                <a:sym typeface="Courier New"/>
+              </a:rPr>
+              <a:t>=</a:t>
+            </a:r>
+            <a:r>
+              <a:rPr b="1" lang="en" sz="1200">
+                <a:solidFill>
+                  <a:srgbClr val="9CDCFE"/>
+                </a:solidFill>
+                <a:latin typeface="Courier New"/>
+                <a:ea typeface="Courier New"/>
+                <a:cs typeface="Courier New"/>
+                <a:sym typeface="Courier New"/>
+              </a:rPr>
+              <a:t>config</a:t>
+            </a:r>
+            <a:r>
+              <a:rPr b="1" lang="en" sz="1200">
+                <a:solidFill>
+                  <a:srgbClr val="CCCCCC"/>
+                </a:solidFill>
+                <a:latin typeface="Courier New"/>
+                <a:ea typeface="Courier New"/>
+                <a:cs typeface="Courier New"/>
+                <a:sym typeface="Courier New"/>
+              </a:rPr>
+              <a:t>[</a:t>
+            </a:r>
+            <a:r>
+              <a:rPr b="1" lang="en" sz="1200">
+                <a:solidFill>
+                  <a:srgbClr val="CE9178"/>
+                </a:solidFill>
+                <a:latin typeface="Courier New"/>
+                <a:ea typeface="Courier New"/>
+                <a:cs typeface="Courier New"/>
+                <a:sym typeface="Courier New"/>
+              </a:rPr>
+              <a:t>'database'</a:t>
+            </a:r>
+            <a:r>
+              <a:rPr b="1" lang="en" sz="1200">
+                <a:solidFill>
+                  <a:srgbClr val="CCCCCC"/>
+                </a:solidFill>
+                <a:latin typeface="Courier New"/>
+                <a:ea typeface="Courier New"/>
+                <a:cs typeface="Courier New"/>
+                <a:sym typeface="Courier New"/>
+              </a:rPr>
+              <a:t>],</a:t>
+            </a:r>
+            <a:endParaRPr b="1" sz="1200">
+              <a:solidFill>
+                <a:srgbClr val="CCCCCC"/>
+              </a:solidFill>
+              <a:latin typeface="Courier New"/>
+              <a:ea typeface="Courier New"/>
+              <a:cs typeface="Courier New"/>
+              <a:sym typeface="Courier New"/>
+            </a:endParaRPr>
+          </a:p>
+          <a:p>
+            <a:pPr indent="0" lvl="0" marL="0" rtl="0" algn="l">
+              <a:spcBef>
+                <a:spcPts val="0"/>
+              </a:spcBef>
+              <a:spcAft>
+                <a:spcPts val="0"/>
+              </a:spcAft>
+              <a:buClr>
+                <a:schemeClr val="dk2"/>
+              </a:buClr>
+              <a:buSzPts val="1100"/>
+              <a:buFont typeface="Arial"/>
+              <a:buNone/>
+            </a:pPr>
+            <a:r>
+              <a:rPr b="1" lang="en" sz="1200">
+                <a:solidFill>
+                  <a:srgbClr val="CCCCCC"/>
+                </a:solidFill>
+                <a:latin typeface="Courier New"/>
+                <a:ea typeface="Courier New"/>
+                <a:cs typeface="Courier New"/>
+                <a:sym typeface="Courier New"/>
+              </a:rPr>
+              <a:t>            </a:t>
+            </a:r>
+            <a:r>
+              <a:rPr b="1" lang="en" sz="1200">
+                <a:solidFill>
+                  <a:srgbClr val="9CDCFE"/>
+                </a:solidFill>
+                <a:latin typeface="Courier New"/>
+                <a:ea typeface="Courier New"/>
+                <a:cs typeface="Courier New"/>
+                <a:sym typeface="Courier New"/>
+              </a:rPr>
+              <a:t>host</a:t>
+            </a:r>
+            <a:r>
+              <a:rPr b="1" lang="en" sz="1200">
+                <a:solidFill>
+                  <a:srgbClr val="D4D4D4"/>
+                </a:solidFill>
+                <a:latin typeface="Courier New"/>
+                <a:ea typeface="Courier New"/>
+                <a:cs typeface="Courier New"/>
+                <a:sym typeface="Courier New"/>
+              </a:rPr>
+              <a:t>=</a:t>
+            </a:r>
+            <a:r>
+              <a:rPr b="1" lang="en" sz="1200">
+                <a:solidFill>
+                  <a:srgbClr val="9CDCFE"/>
+                </a:solidFill>
+                <a:latin typeface="Courier New"/>
+                <a:ea typeface="Courier New"/>
+                <a:cs typeface="Courier New"/>
+                <a:sym typeface="Courier New"/>
+              </a:rPr>
+              <a:t>config</a:t>
+            </a:r>
+            <a:r>
+              <a:rPr b="1" lang="en" sz="1200">
+                <a:solidFill>
+                  <a:srgbClr val="CCCCCC"/>
+                </a:solidFill>
+                <a:latin typeface="Courier New"/>
+                <a:ea typeface="Courier New"/>
+                <a:cs typeface="Courier New"/>
+                <a:sym typeface="Courier New"/>
+              </a:rPr>
+              <a:t>[</a:t>
+            </a:r>
+            <a:r>
+              <a:rPr b="1" lang="en" sz="1200">
+                <a:solidFill>
+                  <a:srgbClr val="CE9178"/>
+                </a:solidFill>
+                <a:latin typeface="Courier New"/>
+                <a:ea typeface="Courier New"/>
+                <a:cs typeface="Courier New"/>
+                <a:sym typeface="Courier New"/>
+              </a:rPr>
+              <a:t>'host'</a:t>
+            </a:r>
+            <a:r>
+              <a:rPr b="1" lang="en" sz="1200">
+                <a:solidFill>
+                  <a:srgbClr val="CCCCCC"/>
+                </a:solidFill>
+                <a:latin typeface="Courier New"/>
+                <a:ea typeface="Courier New"/>
+                <a:cs typeface="Courier New"/>
+                <a:sym typeface="Courier New"/>
+              </a:rPr>
+              <a:t>],</a:t>
+            </a:r>
+            <a:endParaRPr b="1" sz="1200">
+              <a:solidFill>
+                <a:srgbClr val="CCCCCC"/>
+              </a:solidFill>
+              <a:latin typeface="Courier New"/>
+              <a:ea typeface="Courier New"/>
+              <a:cs typeface="Courier New"/>
+              <a:sym typeface="Courier New"/>
+            </a:endParaRPr>
+          </a:p>
+          <a:p>
+            <a:pPr indent="0" lvl="0" marL="0" rtl="0" algn="l">
+              <a:spcBef>
+                <a:spcPts val="0"/>
+              </a:spcBef>
+              <a:spcAft>
+                <a:spcPts val="0"/>
+              </a:spcAft>
+              <a:buClr>
+                <a:schemeClr val="dk2"/>
+              </a:buClr>
+              <a:buSzPts val="1100"/>
+              <a:buFont typeface="Arial"/>
+              <a:buNone/>
+            </a:pPr>
+            <a:r>
+              <a:rPr b="1" lang="en" sz="1200">
+                <a:solidFill>
+                  <a:srgbClr val="CCCCCC"/>
+                </a:solidFill>
+                <a:latin typeface="Courier New"/>
+                <a:ea typeface="Courier New"/>
+                <a:cs typeface="Courier New"/>
+                <a:sym typeface="Courier New"/>
+              </a:rPr>
+              <a:t>            </a:t>
+            </a:r>
+            <a:r>
+              <a:rPr b="1" lang="en" sz="1200">
+                <a:solidFill>
+                  <a:srgbClr val="9CDCFE"/>
+                </a:solidFill>
+                <a:latin typeface="Courier New"/>
+                <a:ea typeface="Courier New"/>
+                <a:cs typeface="Courier New"/>
+                <a:sym typeface="Courier New"/>
+              </a:rPr>
+              <a:t>user</a:t>
+            </a:r>
+            <a:r>
+              <a:rPr b="1" lang="en" sz="1200">
+                <a:solidFill>
+                  <a:srgbClr val="D4D4D4"/>
+                </a:solidFill>
+                <a:latin typeface="Courier New"/>
+                <a:ea typeface="Courier New"/>
+                <a:cs typeface="Courier New"/>
+                <a:sym typeface="Courier New"/>
+              </a:rPr>
+              <a:t>=</a:t>
+            </a:r>
+            <a:r>
+              <a:rPr b="1" lang="en" sz="1200">
+                <a:solidFill>
+                  <a:srgbClr val="9CDCFE"/>
+                </a:solidFill>
+                <a:latin typeface="Courier New"/>
+                <a:ea typeface="Courier New"/>
+                <a:cs typeface="Courier New"/>
+                <a:sym typeface="Courier New"/>
+              </a:rPr>
+              <a:t>config</a:t>
+            </a:r>
+            <a:r>
+              <a:rPr b="1" lang="en" sz="1200">
+                <a:solidFill>
+                  <a:srgbClr val="CCCCCC"/>
+                </a:solidFill>
+                <a:latin typeface="Courier New"/>
+                <a:ea typeface="Courier New"/>
+                <a:cs typeface="Courier New"/>
+                <a:sym typeface="Courier New"/>
+              </a:rPr>
+              <a:t>[</a:t>
+            </a:r>
+            <a:r>
+              <a:rPr b="1" lang="en" sz="1200">
+                <a:solidFill>
+                  <a:srgbClr val="CE9178"/>
+                </a:solidFill>
+                <a:latin typeface="Courier New"/>
+                <a:ea typeface="Courier New"/>
+                <a:cs typeface="Courier New"/>
+                <a:sym typeface="Courier New"/>
+              </a:rPr>
+              <a:t>'user'</a:t>
+            </a:r>
+            <a:r>
+              <a:rPr b="1" lang="en" sz="1200">
+                <a:solidFill>
+                  <a:srgbClr val="CCCCCC"/>
+                </a:solidFill>
+                <a:latin typeface="Courier New"/>
+                <a:ea typeface="Courier New"/>
+                <a:cs typeface="Courier New"/>
+                <a:sym typeface="Courier New"/>
+              </a:rPr>
+              <a:t>],</a:t>
+            </a:r>
+            <a:endParaRPr b="1" sz="1200">
+              <a:solidFill>
+                <a:srgbClr val="CCCCCC"/>
+              </a:solidFill>
+              <a:latin typeface="Courier New"/>
+              <a:ea typeface="Courier New"/>
+              <a:cs typeface="Courier New"/>
+              <a:sym typeface="Courier New"/>
+            </a:endParaRPr>
+          </a:p>
+          <a:p>
+            <a:pPr indent="0" lvl="0" marL="0" rtl="0" algn="l">
+              <a:spcBef>
+                <a:spcPts val="0"/>
+              </a:spcBef>
+              <a:spcAft>
+                <a:spcPts val="0"/>
+              </a:spcAft>
+              <a:buClr>
+                <a:schemeClr val="dk2"/>
+              </a:buClr>
+              <a:buSzPts val="1100"/>
+              <a:buFont typeface="Arial"/>
+              <a:buNone/>
+            </a:pPr>
+            <a:r>
+              <a:rPr b="1" lang="en" sz="1200">
+                <a:solidFill>
+                  <a:srgbClr val="CCCCCC"/>
+                </a:solidFill>
+                <a:latin typeface="Courier New"/>
+                <a:ea typeface="Courier New"/>
+                <a:cs typeface="Courier New"/>
+                <a:sym typeface="Courier New"/>
+              </a:rPr>
+              <a:t>            </a:t>
+            </a:r>
+            <a:r>
+              <a:rPr b="1" lang="en" sz="1200">
+                <a:solidFill>
+                  <a:srgbClr val="9CDCFE"/>
+                </a:solidFill>
+                <a:latin typeface="Courier New"/>
+                <a:ea typeface="Courier New"/>
+                <a:cs typeface="Courier New"/>
+                <a:sym typeface="Courier New"/>
+              </a:rPr>
+              <a:t>password</a:t>
+            </a:r>
+            <a:r>
+              <a:rPr b="1" lang="en" sz="1200">
+                <a:solidFill>
+                  <a:srgbClr val="D4D4D4"/>
+                </a:solidFill>
+                <a:latin typeface="Courier New"/>
+                <a:ea typeface="Courier New"/>
+                <a:cs typeface="Courier New"/>
+                <a:sym typeface="Courier New"/>
+              </a:rPr>
+              <a:t>=</a:t>
+            </a:r>
+            <a:r>
+              <a:rPr b="1" lang="en" sz="1200">
+                <a:solidFill>
+                  <a:srgbClr val="9CDCFE"/>
+                </a:solidFill>
+                <a:latin typeface="Courier New"/>
+                <a:ea typeface="Courier New"/>
+                <a:cs typeface="Courier New"/>
+                <a:sym typeface="Courier New"/>
+              </a:rPr>
+              <a:t>config</a:t>
+            </a:r>
+            <a:r>
+              <a:rPr b="1" lang="en" sz="1200">
+                <a:solidFill>
+                  <a:srgbClr val="CCCCCC"/>
+                </a:solidFill>
+                <a:latin typeface="Courier New"/>
+                <a:ea typeface="Courier New"/>
+                <a:cs typeface="Courier New"/>
+                <a:sym typeface="Courier New"/>
+              </a:rPr>
+              <a:t>[</a:t>
+            </a:r>
+            <a:r>
+              <a:rPr b="1" lang="en" sz="1200">
+                <a:solidFill>
+                  <a:srgbClr val="CE9178"/>
+                </a:solidFill>
+                <a:latin typeface="Courier New"/>
+                <a:ea typeface="Courier New"/>
+                <a:cs typeface="Courier New"/>
+                <a:sym typeface="Courier New"/>
+              </a:rPr>
+              <a:t>'password'</a:t>
+            </a:r>
+            <a:r>
+              <a:rPr b="1" lang="en" sz="1200">
+                <a:solidFill>
+                  <a:srgbClr val="CCCCCC"/>
+                </a:solidFill>
+                <a:latin typeface="Courier New"/>
+                <a:ea typeface="Courier New"/>
+                <a:cs typeface="Courier New"/>
+                <a:sym typeface="Courier New"/>
+              </a:rPr>
+              <a:t>],</a:t>
+            </a:r>
+            <a:endParaRPr b="1" sz="1200">
+              <a:solidFill>
+                <a:srgbClr val="CCCCCC"/>
+              </a:solidFill>
+              <a:latin typeface="Courier New"/>
+              <a:ea typeface="Courier New"/>
+              <a:cs typeface="Courier New"/>
+              <a:sym typeface="Courier New"/>
+            </a:endParaRPr>
+          </a:p>
+          <a:p>
+            <a:pPr indent="0" lvl="0" marL="0" rtl="0" algn="l">
+              <a:spcBef>
+                <a:spcPts val="0"/>
+              </a:spcBef>
+              <a:spcAft>
+                <a:spcPts val="0"/>
+              </a:spcAft>
+              <a:buClr>
+                <a:schemeClr val="dk2"/>
+              </a:buClr>
+              <a:buSzPts val="1100"/>
+              <a:buFont typeface="Arial"/>
+              <a:buNone/>
+            </a:pPr>
+            <a:r>
+              <a:rPr b="1" lang="en" sz="1200">
+                <a:solidFill>
+                  <a:srgbClr val="CCCCCC"/>
+                </a:solidFill>
+                <a:latin typeface="Courier New"/>
+                <a:ea typeface="Courier New"/>
+                <a:cs typeface="Courier New"/>
+                <a:sym typeface="Courier New"/>
+              </a:rPr>
+              <a:t>            </a:t>
+            </a:r>
+            <a:r>
+              <a:rPr b="1" lang="en" sz="1200">
+                <a:solidFill>
+                  <a:srgbClr val="9CDCFE"/>
+                </a:solidFill>
+                <a:latin typeface="Courier New"/>
+                <a:ea typeface="Courier New"/>
+                <a:cs typeface="Courier New"/>
+                <a:sym typeface="Courier New"/>
+              </a:rPr>
+              <a:t>port</a:t>
+            </a:r>
+            <a:r>
+              <a:rPr b="1" lang="en" sz="1200">
+                <a:solidFill>
+                  <a:srgbClr val="D4D4D4"/>
+                </a:solidFill>
+                <a:latin typeface="Courier New"/>
+                <a:ea typeface="Courier New"/>
+                <a:cs typeface="Courier New"/>
+                <a:sym typeface="Courier New"/>
+              </a:rPr>
+              <a:t>=</a:t>
+            </a:r>
+            <a:r>
+              <a:rPr b="1" lang="en" sz="1200">
+                <a:solidFill>
+                  <a:srgbClr val="9CDCFE"/>
+                </a:solidFill>
+                <a:latin typeface="Courier New"/>
+                <a:ea typeface="Courier New"/>
+                <a:cs typeface="Courier New"/>
+                <a:sym typeface="Courier New"/>
+              </a:rPr>
+              <a:t>config</a:t>
+            </a:r>
+            <a:r>
+              <a:rPr b="1" lang="en" sz="1200">
+                <a:solidFill>
+                  <a:srgbClr val="CCCCCC"/>
+                </a:solidFill>
+                <a:latin typeface="Courier New"/>
+                <a:ea typeface="Courier New"/>
+                <a:cs typeface="Courier New"/>
+                <a:sym typeface="Courier New"/>
+              </a:rPr>
+              <a:t>[</a:t>
+            </a:r>
+            <a:r>
+              <a:rPr b="1" lang="en" sz="1200">
+                <a:solidFill>
+                  <a:srgbClr val="CE9178"/>
+                </a:solidFill>
+                <a:latin typeface="Courier New"/>
+                <a:ea typeface="Courier New"/>
+                <a:cs typeface="Courier New"/>
+                <a:sym typeface="Courier New"/>
+              </a:rPr>
+              <a:t>'port'</a:t>
+            </a:r>
+            <a:r>
+              <a:rPr b="1" lang="en" sz="1200">
+                <a:solidFill>
+                  <a:srgbClr val="CCCCCC"/>
+                </a:solidFill>
+                <a:latin typeface="Courier New"/>
+                <a:ea typeface="Courier New"/>
+                <a:cs typeface="Courier New"/>
+                <a:sym typeface="Courier New"/>
+              </a:rPr>
+              <a:t>]</a:t>
+            </a:r>
+            <a:endParaRPr b="1" sz="1200">
+              <a:solidFill>
+                <a:srgbClr val="CCCCCC"/>
+              </a:solidFill>
+              <a:latin typeface="Courier New"/>
+              <a:ea typeface="Courier New"/>
+              <a:cs typeface="Courier New"/>
+              <a:sym typeface="Courier New"/>
+            </a:endParaRPr>
+          </a:p>
+          <a:p>
+            <a:pPr indent="0" lvl="0" marL="0" rtl="0" algn="l">
+              <a:spcBef>
+                <a:spcPts val="0"/>
+              </a:spcBef>
+              <a:spcAft>
+                <a:spcPts val="0"/>
+              </a:spcAft>
+              <a:buClr>
+                <a:schemeClr val="dk2"/>
+              </a:buClr>
+              <a:buSzPts val="1100"/>
+              <a:buFont typeface="Arial"/>
+              <a:buNone/>
+            </a:pPr>
+            <a:r>
+              <a:rPr b="1" lang="en" sz="1200">
+                <a:solidFill>
+                  <a:srgbClr val="CCCCCC"/>
+                </a:solidFill>
+                <a:latin typeface="Courier New"/>
+                <a:ea typeface="Courier New"/>
+                <a:cs typeface="Courier New"/>
+                <a:sym typeface="Courier New"/>
+              </a:rPr>
+              <a:t>        )</a:t>
+            </a:r>
+            <a:endParaRPr b="1" sz="1200">
+              <a:solidFill>
+                <a:srgbClr val="CCCCCC"/>
+              </a:solidFill>
+              <a:latin typeface="Courier New"/>
+              <a:ea typeface="Courier New"/>
+              <a:cs typeface="Courier New"/>
+              <a:sym typeface="Courier New"/>
+            </a:endParaRPr>
+          </a:p>
+          <a:p>
+            <a:pPr indent="0" lvl="0" marL="0" rtl="0" algn="l">
+              <a:spcBef>
+                <a:spcPts val="0"/>
+              </a:spcBef>
+              <a:spcAft>
+                <a:spcPts val="0"/>
+              </a:spcAft>
+              <a:buNone/>
+            </a:pPr>
+            <a:r>
+              <a:t/>
+            </a:r>
+            <a:endParaRPr sz="1800">
+              <a:solidFill>
+                <a:schemeClr val="lt2"/>
+              </a:solidFill>
+              <a:latin typeface="Source Sans Pro"/>
+              <a:ea typeface="Source Sans Pro"/>
+              <a:cs typeface="Source Sans Pro"/>
+              <a:sym typeface="Source Sans Pro"/>
+            </a:endParaRPr>
+          </a:p>
+        </p:txBody>
+      </p:sp>
+      <p:sp>
+        <p:nvSpPr>
+          <p:cNvPr id="242" name="Google Shape;242;p43"/>
+          <p:cNvSpPr txBox="1"/>
+          <p:nvPr/>
+        </p:nvSpPr>
+        <p:spPr>
+          <a:xfrm>
+            <a:off x="4200475" y="3052700"/>
+            <a:ext cx="4803900" cy="1672800"/>
+          </a:xfrm>
+          <a:prstGeom prst="rect">
+            <a:avLst/>
+          </a:prstGeom>
+          <a:noFill/>
+          <a:ln>
+            <a:noFill/>
+          </a:ln>
+        </p:spPr>
+        <p:txBody>
+          <a:bodyPr anchorCtr="0" anchor="t" bIns="91425" lIns="91425" spcFirstLastPara="1" rIns="91425" wrap="square" tIns="91425">
+            <a:noAutofit/>
+          </a:bodyPr>
+          <a:lstStyle/>
+          <a:p>
+            <a:pPr indent="0" lvl="0" marL="457200" rtl="0" algn="l">
+              <a:lnSpc>
+                <a:spcPct val="100000"/>
+              </a:lnSpc>
+              <a:spcBef>
+                <a:spcPts val="0"/>
+              </a:spcBef>
+              <a:spcAft>
+                <a:spcPts val="0"/>
+              </a:spcAft>
+              <a:buNone/>
+            </a:pPr>
+            <a:r>
+              <a:rPr b="1" lang="en" sz="1200">
+                <a:solidFill>
+                  <a:srgbClr val="6A9955"/>
+                </a:solidFill>
+                <a:latin typeface="Courier New"/>
+                <a:ea typeface="Courier New"/>
+                <a:cs typeface="Courier New"/>
+                <a:sym typeface="Courier New"/>
+              </a:rPr>
+              <a:t># Exemplu query SQL</a:t>
+            </a:r>
+            <a:endParaRPr b="1" sz="1200">
+              <a:solidFill>
+                <a:srgbClr val="6A9955"/>
+              </a:solidFill>
+              <a:latin typeface="Courier New"/>
+              <a:ea typeface="Courier New"/>
+              <a:cs typeface="Courier New"/>
+              <a:sym typeface="Courier New"/>
+            </a:endParaRPr>
+          </a:p>
+          <a:p>
+            <a:pPr indent="0" lvl="0" marL="457200" rtl="0" algn="l">
+              <a:lnSpc>
+                <a:spcPct val="100000"/>
+              </a:lnSpc>
+              <a:spcBef>
+                <a:spcPts val="0"/>
+              </a:spcBef>
+              <a:spcAft>
+                <a:spcPts val="0"/>
+              </a:spcAft>
+              <a:buNone/>
+            </a:pPr>
+            <a:r>
+              <a:rPr b="1" lang="en" sz="1200">
+                <a:solidFill>
+                  <a:srgbClr val="9CDCFE"/>
+                </a:solidFill>
+                <a:latin typeface="Courier New"/>
+                <a:ea typeface="Courier New"/>
+                <a:cs typeface="Courier New"/>
+                <a:sym typeface="Courier New"/>
+              </a:rPr>
+              <a:t>cursor</a:t>
+            </a:r>
+            <a:r>
+              <a:rPr b="1" lang="en" sz="1200">
+                <a:solidFill>
+                  <a:srgbClr val="CCCCCC"/>
+                </a:solidFill>
+                <a:latin typeface="Courier New"/>
+                <a:ea typeface="Courier New"/>
+                <a:cs typeface="Courier New"/>
+                <a:sym typeface="Courier New"/>
+              </a:rPr>
+              <a:t> </a:t>
+            </a:r>
+            <a:r>
+              <a:rPr b="1" lang="en" sz="1200">
+                <a:solidFill>
+                  <a:srgbClr val="D4D4D4"/>
+                </a:solidFill>
+                <a:latin typeface="Courier New"/>
+                <a:ea typeface="Courier New"/>
+                <a:cs typeface="Courier New"/>
+                <a:sym typeface="Courier New"/>
+              </a:rPr>
+              <a:t>=</a:t>
+            </a:r>
+            <a:r>
+              <a:rPr b="1" lang="en" sz="1200">
+                <a:solidFill>
+                  <a:srgbClr val="CCCCCC"/>
+                </a:solidFill>
+                <a:latin typeface="Courier New"/>
+                <a:ea typeface="Courier New"/>
+                <a:cs typeface="Courier New"/>
+                <a:sym typeface="Courier New"/>
+              </a:rPr>
+              <a:t> </a:t>
+            </a:r>
+            <a:r>
+              <a:rPr b="1" lang="en" sz="1200">
+                <a:solidFill>
+                  <a:srgbClr val="9CDCFE"/>
+                </a:solidFill>
+                <a:latin typeface="Courier New"/>
+                <a:ea typeface="Courier New"/>
+                <a:cs typeface="Courier New"/>
+                <a:sym typeface="Courier New"/>
+              </a:rPr>
+              <a:t>connection</a:t>
+            </a:r>
+            <a:r>
+              <a:rPr b="1" lang="en" sz="1200">
+                <a:solidFill>
+                  <a:srgbClr val="CCCCCC"/>
+                </a:solidFill>
+                <a:latin typeface="Courier New"/>
+                <a:ea typeface="Courier New"/>
+                <a:cs typeface="Courier New"/>
+                <a:sym typeface="Courier New"/>
+              </a:rPr>
+              <a:t>.</a:t>
+            </a:r>
+            <a:r>
+              <a:rPr b="1" lang="en" sz="1200">
+                <a:solidFill>
+                  <a:srgbClr val="DCDCAA"/>
+                </a:solidFill>
+                <a:latin typeface="Courier New"/>
+                <a:ea typeface="Courier New"/>
+                <a:cs typeface="Courier New"/>
+                <a:sym typeface="Courier New"/>
+              </a:rPr>
+              <a:t>cursor</a:t>
+            </a:r>
+            <a:r>
+              <a:rPr b="1" lang="en" sz="1200">
+                <a:solidFill>
+                  <a:srgbClr val="CCCCCC"/>
+                </a:solidFill>
+                <a:latin typeface="Courier New"/>
+                <a:ea typeface="Courier New"/>
+                <a:cs typeface="Courier New"/>
+                <a:sym typeface="Courier New"/>
+              </a:rPr>
+              <a:t>()</a:t>
+            </a:r>
+            <a:endParaRPr b="1" sz="1200">
+              <a:solidFill>
+                <a:srgbClr val="CCCCCC"/>
+              </a:solidFill>
+              <a:latin typeface="Courier New"/>
+              <a:ea typeface="Courier New"/>
+              <a:cs typeface="Courier New"/>
+              <a:sym typeface="Courier New"/>
+            </a:endParaRPr>
+          </a:p>
+          <a:p>
+            <a:pPr indent="0" lvl="0" marL="457200" rtl="0" algn="l">
+              <a:lnSpc>
+                <a:spcPct val="100000"/>
+              </a:lnSpc>
+              <a:spcBef>
+                <a:spcPts val="0"/>
+              </a:spcBef>
+              <a:spcAft>
+                <a:spcPts val="0"/>
+              </a:spcAft>
+              <a:buClr>
+                <a:schemeClr val="dk2"/>
+              </a:buClr>
+              <a:buSzPts val="1100"/>
+              <a:buFont typeface="Arial"/>
+              <a:buNone/>
+            </a:pPr>
+            <a:r>
+              <a:rPr b="1" lang="en" sz="1200">
+                <a:solidFill>
+                  <a:srgbClr val="9CDCFE"/>
+                </a:solidFill>
+                <a:latin typeface="Courier New"/>
+                <a:ea typeface="Courier New"/>
+                <a:cs typeface="Courier New"/>
+                <a:sym typeface="Courier New"/>
+              </a:rPr>
+              <a:t>cursor</a:t>
+            </a:r>
+            <a:r>
+              <a:rPr b="1" lang="en" sz="1200">
+                <a:solidFill>
+                  <a:srgbClr val="CCCCCC"/>
+                </a:solidFill>
+                <a:latin typeface="Courier New"/>
+                <a:ea typeface="Courier New"/>
+                <a:cs typeface="Courier New"/>
+                <a:sym typeface="Courier New"/>
+              </a:rPr>
+              <a:t>.</a:t>
+            </a:r>
+            <a:r>
+              <a:rPr b="1" lang="en" sz="1200">
+                <a:solidFill>
+                  <a:srgbClr val="DCDCAA"/>
+                </a:solidFill>
+                <a:latin typeface="Courier New"/>
+                <a:ea typeface="Courier New"/>
+                <a:cs typeface="Courier New"/>
+                <a:sym typeface="Courier New"/>
+              </a:rPr>
+              <a:t>execute</a:t>
+            </a:r>
+            <a:r>
+              <a:rPr b="1" lang="en" sz="1200">
+                <a:solidFill>
+                  <a:srgbClr val="CCCCCC"/>
+                </a:solidFill>
+                <a:latin typeface="Courier New"/>
+                <a:ea typeface="Courier New"/>
+                <a:cs typeface="Courier New"/>
+                <a:sym typeface="Courier New"/>
+              </a:rPr>
+              <a:t>(</a:t>
+            </a:r>
+            <a:r>
+              <a:rPr b="1" lang="en" sz="1200">
+                <a:solidFill>
+                  <a:srgbClr val="CE9178"/>
+                </a:solidFill>
+                <a:latin typeface="Courier New"/>
+                <a:ea typeface="Courier New"/>
+                <a:cs typeface="Courier New"/>
+                <a:sym typeface="Courier New"/>
+              </a:rPr>
+              <a:t>"SELECT * FROM car;"</a:t>
+            </a:r>
+            <a:r>
+              <a:rPr b="1" lang="en" sz="1200">
+                <a:solidFill>
+                  <a:srgbClr val="CCCCCC"/>
+                </a:solidFill>
+                <a:latin typeface="Courier New"/>
+                <a:ea typeface="Courier New"/>
+                <a:cs typeface="Courier New"/>
+                <a:sym typeface="Courier New"/>
+              </a:rPr>
+              <a:t>)</a:t>
+            </a:r>
+            <a:endParaRPr b="1" sz="1200">
+              <a:solidFill>
+                <a:srgbClr val="CCCCCC"/>
+              </a:solidFill>
+              <a:latin typeface="Courier New"/>
+              <a:ea typeface="Courier New"/>
+              <a:cs typeface="Courier New"/>
+              <a:sym typeface="Courier New"/>
+            </a:endParaRPr>
+          </a:p>
+          <a:p>
+            <a:pPr indent="0" lvl="0" marL="457200" rtl="0" algn="l">
+              <a:lnSpc>
+                <a:spcPct val="100000"/>
+              </a:lnSpc>
+              <a:spcBef>
+                <a:spcPts val="0"/>
+              </a:spcBef>
+              <a:spcAft>
+                <a:spcPts val="0"/>
+              </a:spcAft>
+              <a:buClr>
+                <a:schemeClr val="dk2"/>
+              </a:buClr>
+              <a:buSzPts val="1100"/>
+              <a:buFont typeface="Arial"/>
+              <a:buNone/>
+            </a:pPr>
+            <a:r>
+              <a:rPr b="1" lang="en" sz="1200">
+                <a:solidFill>
+                  <a:srgbClr val="DCDCAA"/>
+                </a:solidFill>
+                <a:latin typeface="Courier New"/>
+                <a:ea typeface="Courier New"/>
+                <a:cs typeface="Courier New"/>
+                <a:sym typeface="Courier New"/>
+              </a:rPr>
+              <a:t>print</a:t>
+            </a:r>
+            <a:r>
+              <a:rPr b="1" lang="en" sz="1200">
+                <a:solidFill>
+                  <a:srgbClr val="CCCCCC"/>
+                </a:solidFill>
+                <a:latin typeface="Courier New"/>
+                <a:ea typeface="Courier New"/>
+                <a:cs typeface="Courier New"/>
+                <a:sym typeface="Courier New"/>
+              </a:rPr>
+              <a:t>(</a:t>
+            </a:r>
+            <a:r>
+              <a:rPr b="1" lang="en" sz="1200">
+                <a:solidFill>
+                  <a:srgbClr val="9CDCFE"/>
+                </a:solidFill>
+                <a:latin typeface="Courier New"/>
+                <a:ea typeface="Courier New"/>
+                <a:cs typeface="Courier New"/>
+                <a:sym typeface="Courier New"/>
+              </a:rPr>
+              <a:t>cursor</a:t>
+            </a:r>
+            <a:r>
+              <a:rPr b="1" lang="en" sz="1200">
+                <a:solidFill>
+                  <a:srgbClr val="CCCCCC"/>
+                </a:solidFill>
+                <a:latin typeface="Courier New"/>
+                <a:ea typeface="Courier New"/>
+                <a:cs typeface="Courier New"/>
+                <a:sym typeface="Courier New"/>
+              </a:rPr>
+              <a:t>.</a:t>
+            </a:r>
+            <a:r>
+              <a:rPr b="1" lang="en" sz="1200">
+                <a:solidFill>
+                  <a:srgbClr val="DCDCAA"/>
+                </a:solidFill>
+                <a:latin typeface="Courier New"/>
+                <a:ea typeface="Courier New"/>
+                <a:cs typeface="Courier New"/>
+                <a:sym typeface="Courier New"/>
+              </a:rPr>
+              <a:t>fetchall</a:t>
+            </a:r>
+            <a:r>
+              <a:rPr b="1" lang="en" sz="1200">
+                <a:solidFill>
+                  <a:srgbClr val="CCCCCC"/>
+                </a:solidFill>
+                <a:latin typeface="Courier New"/>
+                <a:ea typeface="Courier New"/>
+                <a:cs typeface="Courier New"/>
+                <a:sym typeface="Courier New"/>
+              </a:rPr>
+              <a:t>())</a:t>
+            </a:r>
+            <a:endParaRPr b="1" sz="1200">
+              <a:solidFill>
+                <a:srgbClr val="CCCCCC"/>
+              </a:solidFill>
+              <a:latin typeface="Courier New"/>
+              <a:ea typeface="Courier New"/>
+              <a:cs typeface="Courier New"/>
+              <a:sym typeface="Courier New"/>
+            </a:endParaRPr>
+          </a:p>
+          <a:p>
+            <a:pPr indent="0" lvl="0" marL="457200" rtl="0" algn="l">
+              <a:lnSpc>
+                <a:spcPct val="100000"/>
+              </a:lnSpc>
+              <a:spcBef>
+                <a:spcPts val="0"/>
+              </a:spcBef>
+              <a:spcAft>
+                <a:spcPts val="0"/>
+              </a:spcAft>
+              <a:buClr>
+                <a:schemeClr val="dk2"/>
+              </a:buClr>
+              <a:buSzPts val="1100"/>
+              <a:buFont typeface="Arial"/>
+              <a:buNone/>
+            </a:pPr>
+            <a:r>
+              <a:rPr b="1" lang="en" sz="1200">
+                <a:solidFill>
+                  <a:srgbClr val="9CDCFE"/>
+                </a:solidFill>
+                <a:latin typeface="Courier New"/>
+                <a:ea typeface="Courier New"/>
+                <a:cs typeface="Courier New"/>
+                <a:sym typeface="Courier New"/>
+              </a:rPr>
+              <a:t>cursor</a:t>
+            </a:r>
+            <a:r>
+              <a:rPr b="1" lang="en" sz="1200">
+                <a:solidFill>
+                  <a:srgbClr val="CCCCCC"/>
+                </a:solidFill>
+                <a:latin typeface="Courier New"/>
+                <a:ea typeface="Courier New"/>
+                <a:cs typeface="Courier New"/>
+                <a:sym typeface="Courier New"/>
+              </a:rPr>
+              <a:t>.</a:t>
+            </a:r>
+            <a:r>
+              <a:rPr b="1" lang="en" sz="1200">
+                <a:solidFill>
+                  <a:srgbClr val="DCDCAA"/>
+                </a:solidFill>
+                <a:latin typeface="Courier New"/>
+                <a:ea typeface="Courier New"/>
+                <a:cs typeface="Courier New"/>
+                <a:sym typeface="Courier New"/>
+              </a:rPr>
+              <a:t>close</a:t>
+            </a:r>
+            <a:r>
+              <a:rPr b="1" lang="en" sz="1200">
+                <a:solidFill>
+                  <a:srgbClr val="CCCCCC"/>
+                </a:solidFill>
+                <a:latin typeface="Courier New"/>
+                <a:ea typeface="Courier New"/>
+                <a:cs typeface="Courier New"/>
+                <a:sym typeface="Courier New"/>
+              </a:rPr>
+              <a:t>()</a:t>
+            </a:r>
+            <a:endParaRPr b="1" sz="1200">
+              <a:solidFill>
+                <a:srgbClr val="CCCCCC"/>
+              </a:solidFill>
+              <a:latin typeface="Courier New"/>
+              <a:ea typeface="Courier New"/>
+              <a:cs typeface="Courier New"/>
+              <a:sym typeface="Courier New"/>
+            </a:endParaRPr>
+          </a:p>
+          <a:p>
+            <a:pPr indent="0" lvl="0" marL="0" rtl="0" algn="l">
+              <a:lnSpc>
+                <a:spcPct val="100000"/>
+              </a:lnSpc>
+              <a:spcBef>
+                <a:spcPts val="0"/>
+              </a:spcBef>
+              <a:spcAft>
+                <a:spcPts val="0"/>
+              </a:spcAft>
+              <a:buNone/>
+            </a:pPr>
+            <a:r>
+              <a:t/>
+            </a:r>
+            <a:endParaRPr b="1" sz="1200">
+              <a:solidFill>
+                <a:srgbClr val="9CDCFE"/>
+              </a:solidFill>
+              <a:latin typeface="Courier New"/>
+              <a:ea typeface="Courier New"/>
+              <a:cs typeface="Courier New"/>
+              <a:sym typeface="Courier New"/>
+            </a:endParaRPr>
           </a:p>
         </p:txBody>
       </p:sp>
@@ -18661,7 +20368,7 @@
   <p:cSld>
     <p:spTree>
       <p:nvGrpSpPr>
-        <p:cNvPr id="75" name="Shape 75"/>
+        <p:cNvPr id="76" name="Shape 76"/>
         <p:cNvGrpSpPr/>
         <p:nvPr/>
       </p:nvGrpSpPr>
@@ -18675,7 +20382,7 @@
       </p:grpSpPr>
       <p:sp>
         <p:nvSpPr>
-          <p:cNvPr id="76" name="Google Shape;76;p16"/>
+          <p:cNvPr id="77" name="Google Shape;77;p16"/>
           <p:cNvSpPr txBox="1"/>
           <p:nvPr>
             <p:ph type="title"/>
@@ -18715,7 +20422,7 @@
       </p:sp>
       <p:pic>
         <p:nvPicPr>
-          <p:cNvPr id="77" name="Google Shape;77;p16"/>
+          <p:cNvPr id="78" name="Google Shape;78;p16"/>
           <p:cNvPicPr preferRelativeResize="0"/>
           <p:nvPr/>
         </p:nvPicPr>
@@ -18752,7 +20459,7 @@
       </p:pic>
       <p:sp>
         <p:nvSpPr>
-          <p:cNvPr id="78" name="Google Shape;78;p16"/>
+          <p:cNvPr id="79" name="Google Shape;79;p16"/>
           <p:cNvSpPr txBox="1"/>
           <p:nvPr/>
         </p:nvSpPr>
@@ -18852,7 +20559,7 @@
   <p:cSld>
     <p:spTree>
       <p:nvGrpSpPr>
-        <p:cNvPr id="82" name="Shape 82"/>
+        <p:cNvPr id="83" name="Shape 83"/>
         <p:cNvGrpSpPr/>
         <p:nvPr/>
       </p:nvGrpSpPr>
@@ -18866,7 +20573,7 @@
       </p:grpSpPr>
       <p:sp>
         <p:nvSpPr>
-          <p:cNvPr id="83" name="Google Shape;83;p17"/>
+          <p:cNvPr id="84" name="Google Shape;84;p17"/>
           <p:cNvSpPr txBox="1"/>
           <p:nvPr>
             <p:ph type="title"/>
@@ -18906,7 +20613,7 @@
       </p:sp>
       <p:pic>
         <p:nvPicPr>
-          <p:cNvPr id="84" name="Google Shape;84;p17"/>
+          <p:cNvPr id="85" name="Google Shape;85;p17"/>
           <p:cNvPicPr preferRelativeResize="0"/>
           <p:nvPr/>
         </p:nvPicPr>
@@ -18954,7 +20661,7 @@
   <p:cSld>
     <p:spTree>
       <p:nvGrpSpPr>
-        <p:cNvPr id="88" name="Shape 88"/>
+        <p:cNvPr id="89" name="Shape 89"/>
         <p:cNvGrpSpPr/>
         <p:nvPr/>
       </p:nvGrpSpPr>
@@ -18968,7 +20675,7 @@
       </p:grpSpPr>
       <p:sp>
         <p:nvSpPr>
-          <p:cNvPr id="89" name="Google Shape;89;p18"/>
+          <p:cNvPr id="90" name="Google Shape;90;p18"/>
           <p:cNvSpPr txBox="1"/>
           <p:nvPr>
             <p:ph type="title"/>
@@ -19008,7 +20715,7 @@
       </p:sp>
       <p:sp>
         <p:nvSpPr>
-          <p:cNvPr id="90" name="Google Shape;90;p18"/>
+          <p:cNvPr id="91" name="Google Shape;91;p18"/>
           <p:cNvSpPr txBox="1"/>
           <p:nvPr>
             <p:ph idx="1" type="body"/>
@@ -19096,7 +20803,7 @@
   <p:cSld>
     <p:spTree>
       <p:nvGrpSpPr>
-        <p:cNvPr id="94" name="Shape 94"/>
+        <p:cNvPr id="95" name="Shape 95"/>
         <p:cNvGrpSpPr/>
         <p:nvPr/>
       </p:nvGrpSpPr>
@@ -19110,7 +20817,7 @@
       </p:grpSpPr>
       <p:sp>
         <p:nvSpPr>
-          <p:cNvPr id="95" name="Google Shape;95;p19"/>
+          <p:cNvPr id="96" name="Google Shape;96;p19"/>
           <p:cNvSpPr txBox="1"/>
           <p:nvPr>
             <p:ph type="title"/>
@@ -19154,7 +20861,7 @@
       </p:sp>
       <p:sp>
         <p:nvSpPr>
-          <p:cNvPr id="96" name="Google Shape;96;p19"/>
+          <p:cNvPr id="97" name="Google Shape;97;p19"/>
           <p:cNvSpPr txBox="1"/>
           <p:nvPr>
             <p:ph idx="1" type="body"/>
@@ -19242,7 +20949,7 @@
   <p:cSld>
     <p:spTree>
       <p:nvGrpSpPr>
-        <p:cNvPr id="100" name="Shape 100"/>
+        <p:cNvPr id="101" name="Shape 101"/>
         <p:cNvGrpSpPr/>
         <p:nvPr/>
       </p:nvGrpSpPr>
@@ -19256,7 +20963,7 @@
       </p:grpSpPr>
       <p:sp>
         <p:nvSpPr>
-          <p:cNvPr id="101" name="Google Shape;101;p20"/>
+          <p:cNvPr id="102" name="Google Shape;102;p20"/>
           <p:cNvSpPr txBox="1"/>
           <p:nvPr>
             <p:ph type="title"/>
@@ -19296,7 +21003,7 @@
       </p:sp>
       <p:sp>
         <p:nvSpPr>
-          <p:cNvPr id="102" name="Google Shape;102;p20"/>
+          <p:cNvPr id="103" name="Google Shape;103;p20"/>
           <p:cNvSpPr txBox="1"/>
           <p:nvPr>
             <p:ph idx="1" type="body"/>
@@ -19384,7 +21091,7 @@
   <p:cSld>
     <p:spTree>
       <p:nvGrpSpPr>
-        <p:cNvPr id="106" name="Shape 106"/>
+        <p:cNvPr id="107" name="Shape 107"/>
         <p:cNvGrpSpPr/>
         <p:nvPr/>
       </p:nvGrpSpPr>
@@ -19398,7 +21105,7 @@
       </p:grpSpPr>
       <p:sp>
         <p:nvSpPr>
-          <p:cNvPr id="107" name="Google Shape;107;p21"/>
+          <p:cNvPr id="108" name="Google Shape;108;p21"/>
           <p:cNvSpPr/>
           <p:nvPr/>
         </p:nvSpPr>
@@ -19452,7 +21159,7 @@
       </p:sp>
       <p:sp>
         <p:nvSpPr>
-          <p:cNvPr id="108" name="Google Shape;108;p21"/>
+          <p:cNvPr id="109" name="Google Shape;109;p21"/>
           <p:cNvSpPr txBox="1"/>
           <p:nvPr>
             <p:ph type="title"/>
@@ -19500,7 +21207,7 @@
       </p:sp>
       <p:sp>
         <p:nvSpPr>
-          <p:cNvPr id="109" name="Google Shape;109;p21"/>
+          <p:cNvPr id="110" name="Google Shape;110;p21"/>
           <p:cNvSpPr txBox="1"/>
           <p:nvPr>
             <p:ph idx="1" type="body"/>
